--- a/Practica 02/Modelado de riesgos con Hugin Expert.pptx
+++ b/Practica 02/Modelado de riesgos con Hugin Expert.pptx
@@ -14,6 +14,7 @@
     <p:sldId id="262" r:id="rId8"/>
     <p:sldId id="263" r:id="rId9"/>
     <p:sldId id="264" r:id="rId10"/>
+    <p:sldId id="265" r:id="rId11"/>
   </p:sldIdLst>
   <p:sldSz cx="12192000" cy="6858000"/>
   <p:notesSz cx="6858000" cy="9144000"/>
@@ -112,6 +113,11 @@
       </a:defRPr>
     </a:lvl9pPr>
   </p:defaultTextStyle>
+  <p:extLst>
+    <p:ext uri="{EFAFB233-063F-42B5-8137-9DF3F51BA10A}">
+      <p15:sldGuideLst xmlns:p15="http://schemas.microsoft.com/office/powerpoint/2012/main"/>
+    </p:ext>
+  </p:extLst>
 </p:presentation>
 </file>
 
@@ -340,7 +346,7 @@
             <a:fld id="{5586B75A-687E-405C-8A0B-8D00578BA2C3}" type="datetimeFigureOut">
               <a:rPr lang="en-US" smtClean="0"/>
               <a:pPr/>
-              <a:t>11/18/2018</a:t>
+              <a:t>11/19/2018</a:t>
             </a:fld>
             <a:endParaRPr lang="en-US" dirty="0"/>
           </a:p>
@@ -383,7 +389,7 @@
             <a:fld id="{4FAB73BC-B049-4115-A692-8D63A059BFB8}" type="slidenum">
               <a:rPr lang="en-US" smtClean="0"/>
               <a:pPr/>
-              <a:t>‹#›</a:t>
+              <a:t>‹Nº›</a:t>
             </a:fld>
             <a:endParaRPr lang="en-US" dirty="0"/>
           </a:p>
@@ -512,7 +518,7 @@
             <a:fld id="{5586B75A-687E-405C-8A0B-8D00578BA2C3}" type="datetimeFigureOut">
               <a:rPr lang="en-US" smtClean="0"/>
               <a:pPr/>
-              <a:t>11/18/2018</a:t>
+              <a:t>11/19/2018</a:t>
             </a:fld>
             <a:endParaRPr lang="en-US" dirty="0"/>
           </a:p>
@@ -555,7 +561,7 @@
             <a:fld id="{4FAB73BC-B049-4115-A692-8D63A059BFB8}" type="slidenum">
               <a:rPr lang="en-US" smtClean="0"/>
               <a:pPr/>
-              <a:t>‹#›</a:t>
+              <a:t>‹Nº›</a:t>
             </a:fld>
             <a:endParaRPr lang="en-US" dirty="0"/>
           </a:p>
@@ -694,7 +700,7 @@
             <a:fld id="{5586B75A-687E-405C-8A0B-8D00578BA2C3}" type="datetimeFigureOut">
               <a:rPr lang="en-US" smtClean="0"/>
               <a:pPr/>
-              <a:t>11/18/2018</a:t>
+              <a:t>11/19/2018</a:t>
             </a:fld>
             <a:endParaRPr lang="en-US" dirty="0"/>
           </a:p>
@@ -737,7 +743,7 @@
             <a:fld id="{4FAB73BC-B049-4115-A692-8D63A059BFB8}" type="slidenum">
               <a:rPr lang="en-US" smtClean="0"/>
               <a:pPr/>
-              <a:t>‹#›</a:t>
+              <a:t>‹Nº›</a:t>
             </a:fld>
             <a:endParaRPr lang="en-US" dirty="0"/>
           </a:p>
@@ -866,7 +872,7 @@
             <a:fld id="{5586B75A-687E-405C-8A0B-8D00578BA2C3}" type="datetimeFigureOut">
               <a:rPr lang="en-US" smtClean="0"/>
               <a:pPr/>
-              <a:t>11/18/2018</a:t>
+              <a:t>11/19/2018</a:t>
             </a:fld>
             <a:endParaRPr lang="en-US" dirty="0"/>
           </a:p>
@@ -909,7 +915,7 @@
             <a:fld id="{4FAB73BC-B049-4115-A692-8D63A059BFB8}" type="slidenum">
               <a:rPr lang="en-US" smtClean="0"/>
               <a:pPr/>
-              <a:t>‹#›</a:t>
+              <a:t>‹Nº›</a:t>
             </a:fld>
             <a:endParaRPr lang="en-US" dirty="0"/>
           </a:p>
@@ -1126,7 +1132,7 @@
             <a:fld id="{5586B75A-687E-405C-8A0B-8D00578BA2C3}" type="datetimeFigureOut">
               <a:rPr lang="en-US" smtClean="0"/>
               <a:pPr/>
-              <a:t>11/18/2018</a:t>
+              <a:t>11/19/2018</a:t>
             </a:fld>
             <a:endParaRPr lang="en-US" dirty="0"/>
           </a:p>
@@ -1169,7 +1175,7 @@
             <a:fld id="{4FAB73BC-B049-4115-A692-8D63A059BFB8}" type="slidenum">
               <a:rPr lang="en-US" smtClean="0"/>
               <a:pPr/>
-              <a:t>‹#›</a:t>
+              <a:t>‹Nº›</a:t>
             </a:fld>
             <a:endParaRPr lang="en-US" dirty="0"/>
           </a:p>
@@ -1416,7 +1422,7 @@
             <a:fld id="{5586B75A-687E-405C-8A0B-8D00578BA2C3}" type="datetimeFigureOut">
               <a:rPr lang="en-US" smtClean="0"/>
               <a:pPr/>
-              <a:t>11/18/2018</a:t>
+              <a:t>11/19/2018</a:t>
             </a:fld>
             <a:endParaRPr lang="en-US" dirty="0"/>
           </a:p>
@@ -1459,7 +1465,7 @@
             <a:fld id="{4FAB73BC-B049-4115-A692-8D63A059BFB8}" type="slidenum">
               <a:rPr lang="en-US" smtClean="0"/>
               <a:pPr/>
-              <a:t>‹#›</a:t>
+              <a:t>‹Nº›</a:t>
             </a:fld>
             <a:endParaRPr lang="en-US" dirty="0"/>
           </a:p>
@@ -1860,7 +1866,7 @@
             <a:fld id="{5586B75A-687E-405C-8A0B-8D00578BA2C3}" type="datetimeFigureOut">
               <a:rPr lang="en-US" smtClean="0"/>
               <a:pPr/>
-              <a:t>11/18/2018</a:t>
+              <a:t>11/19/2018</a:t>
             </a:fld>
             <a:endParaRPr lang="en-US" dirty="0"/>
           </a:p>
@@ -1903,7 +1909,7 @@
             <a:fld id="{4FAB73BC-B049-4115-A692-8D63A059BFB8}" type="slidenum">
               <a:rPr lang="en-US" smtClean="0"/>
               <a:pPr/>
-              <a:t>‹#›</a:t>
+              <a:t>‹Nº›</a:t>
             </a:fld>
             <a:endParaRPr lang="en-US" dirty="0"/>
           </a:p>
@@ -1980,7 +1986,7 @@
             <a:fld id="{5586B75A-687E-405C-8A0B-8D00578BA2C3}" type="datetimeFigureOut">
               <a:rPr lang="en-US" smtClean="0"/>
               <a:pPr/>
-              <a:t>11/18/2018</a:t>
+              <a:t>11/19/2018</a:t>
             </a:fld>
             <a:endParaRPr lang="en-US" dirty="0"/>
           </a:p>
@@ -2023,7 +2029,7 @@
             <a:fld id="{4FAB73BC-B049-4115-A692-8D63A059BFB8}" type="slidenum">
               <a:rPr lang="en-US" smtClean="0"/>
               <a:pPr/>
-              <a:t>‹#›</a:t>
+              <a:t>‹Nº›</a:t>
             </a:fld>
             <a:endParaRPr lang="en-US" dirty="0"/>
           </a:p>
@@ -2077,7 +2083,7 @@
             <a:fld id="{5586B75A-687E-405C-8A0B-8D00578BA2C3}" type="datetimeFigureOut">
               <a:rPr lang="en-US" smtClean="0"/>
               <a:pPr/>
-              <a:t>11/18/2018</a:t>
+              <a:t>11/19/2018</a:t>
             </a:fld>
             <a:endParaRPr lang="en-US" dirty="0"/>
           </a:p>
@@ -2120,7 +2126,7 @@
             <a:fld id="{4FAB73BC-B049-4115-A692-8D63A059BFB8}" type="slidenum">
               <a:rPr lang="en-US" smtClean="0"/>
               <a:pPr/>
-              <a:t>‹#›</a:t>
+              <a:t>‹Nº›</a:t>
             </a:fld>
             <a:endParaRPr lang="en-US" dirty="0"/>
           </a:p>
@@ -2367,7 +2373,7 @@
             <a:fld id="{5586B75A-687E-405C-8A0B-8D00578BA2C3}" type="datetimeFigureOut">
               <a:rPr lang="en-US" smtClean="0"/>
               <a:pPr/>
-              <a:t>11/18/2018</a:t>
+              <a:t>11/19/2018</a:t>
             </a:fld>
             <a:endParaRPr lang="en-US" dirty="0"/>
           </a:p>
@@ -2410,7 +2416,7 @@
             <a:fld id="{4FAB73BC-B049-4115-A692-8D63A059BFB8}" type="slidenum">
               <a:rPr lang="en-US" smtClean="0"/>
               <a:pPr/>
-              <a:t>‹#›</a:t>
+              <a:t>‹Nº›</a:t>
             </a:fld>
             <a:endParaRPr lang="en-US" dirty="0"/>
           </a:p>
@@ -2642,7 +2648,7 @@
             <a:fld id="{5586B75A-687E-405C-8A0B-8D00578BA2C3}" type="datetimeFigureOut">
               <a:rPr lang="en-US" smtClean="0"/>
               <a:pPr/>
-              <a:t>11/18/2018</a:t>
+              <a:t>11/19/2018</a:t>
             </a:fld>
             <a:endParaRPr lang="en-US" dirty="0"/>
           </a:p>
@@ -2690,7 +2696,7 @@
             <a:fld id="{4FAB73BC-B049-4115-A692-8D63A059BFB8}" type="slidenum">
               <a:rPr lang="en-US" smtClean="0"/>
               <a:pPr/>
-              <a:t>‹#›</a:t>
+              <a:t>‹Nº›</a:t>
             </a:fld>
             <a:endParaRPr lang="en-US" dirty="0"/>
           </a:p>
@@ -2941,7 +2947,7 @@
             <a:fld id="{5586B75A-687E-405C-8A0B-8D00578BA2C3}" type="datetimeFigureOut">
               <a:rPr lang="en-US" smtClean="0"/>
               <a:pPr/>
-              <a:t>11/18/2018</a:t>
+              <a:t>11/19/2018</a:t>
             </a:fld>
             <a:endParaRPr lang="en-US" dirty="0"/>
           </a:p>
@@ -3019,7 +3025,7 @@
             <a:fld id="{4FAB73BC-B049-4115-A692-8D63A059BFB8}" type="slidenum">
               <a:rPr lang="en-US" smtClean="0"/>
               <a:pPr/>
-              <a:t>‹#›</a:t>
+              <a:t>‹Nº›</a:t>
             </a:fld>
             <a:endParaRPr lang="en-US" dirty="0"/>
           </a:p>
@@ -3616,6 +3622,499 @@
 </p:sld>
 </file>
 
+<file path=ppt/slides/slide10.xml><?xml version="1.0" encoding="utf-8"?>
+<p:sld xmlns:a="http://schemas.openxmlformats.org/drawingml/2006/main" xmlns:r="http://schemas.openxmlformats.org/officeDocument/2006/relationships" xmlns:p="http://schemas.openxmlformats.org/presentationml/2006/main">
+  <p:cSld>
+    <p:bg>
+      <p:bgPr>
+        <a:solidFill>
+          <a:schemeClr val="bg1"/>
+        </a:solidFill>
+        <a:effectLst/>
+      </p:bgPr>
+    </p:bg>
+    <p:spTree>
+      <p:nvGrpSpPr>
+        <p:cNvPr id="1" name=""/>
+        <p:cNvGrpSpPr/>
+        <p:nvPr/>
+      </p:nvGrpSpPr>
+      <p:grpSpPr>
+        <a:xfrm>
+          <a:off x="0" y="0"/>
+          <a:ext cx="0" cy="0"/>
+          <a:chOff x="0" y="0"/>
+          <a:chExt cx="0" cy="0"/>
+        </a:xfrm>
+      </p:grpSpPr>
+      <p:sp>
+        <p:nvSpPr>
+          <p:cNvPr id="9" name="Rectangle 8">
+            <a:extLst>
+              <a:ext uri="{FF2B5EF4-FFF2-40B4-BE49-F238E27FC236}">
+                <a16:creationId xmlns:a16="http://schemas.microsoft.com/office/drawing/2014/main" id="{DB8424AB-D56B-4256-866A-5B54DE93C20F}"/>
+              </a:ext>
+              <a:ext uri="{C183D7F6-B498-43B3-948B-1728B52AA6E4}">
+                <adec:decorative xmlns:adec="http://schemas.microsoft.com/office/drawing/2017/decorative" val="1"/>
+              </a:ext>
+            </a:extLst>
+          </p:cNvPr>
+          <p:cNvSpPr>
+            <a:spLocks noGrp="1" noRot="1" noChangeAspect="1" noMove="1" noResize="1" noEditPoints="1" noAdjustHandles="1" noChangeArrowheads="1" noChangeShapeType="1" noTextEdit="1"/>
+          </p:cNvSpPr>
+          <p:nvPr>
+            <p:extLst>
+              <p:ext uri="{386F3935-93C4-4BCD-93E2-E3B085C9AB24}">
+                <p16:designElem xmlns:p16="http://schemas.microsoft.com/office/powerpoint/2015/main" val="1"/>
+              </p:ext>
+            </p:extLst>
+          </p:nvPr>
+        </p:nvSpPr>
+        <p:spPr>
+          <a:xfrm>
+            <a:off x="0" y="761999"/>
+            <a:ext cx="9141619" cy="5334001"/>
+          </a:xfrm>
+          <a:prstGeom prst="rect">
+            <a:avLst/>
+          </a:prstGeom>
+          <a:solidFill>
+            <a:schemeClr val="accent1"/>
+          </a:solidFill>
+          <a:ln>
+            <a:noFill/>
+          </a:ln>
+        </p:spPr>
+        <p:style>
+          <a:lnRef idx="2">
+            <a:schemeClr val="accent1">
+              <a:shade val="50000"/>
+            </a:schemeClr>
+          </a:lnRef>
+          <a:fillRef idx="1">
+            <a:schemeClr val="accent1"/>
+          </a:fillRef>
+          <a:effectRef idx="0">
+            <a:schemeClr val="accent1"/>
+          </a:effectRef>
+          <a:fontRef idx="minor">
+            <a:schemeClr val="lt1"/>
+          </a:fontRef>
+        </p:style>
+      </p:sp>
+      <p:sp>
+        <p:nvSpPr>
+          <p:cNvPr id="11" name="Rectangle 10">
+            <a:extLst>
+              <a:ext uri="{FF2B5EF4-FFF2-40B4-BE49-F238E27FC236}">
+                <a16:creationId xmlns:a16="http://schemas.microsoft.com/office/drawing/2014/main" id="{FC999C28-AD33-4EB7-A5F1-C06D10A5FDF7}"/>
+              </a:ext>
+              <a:ext uri="{C183D7F6-B498-43B3-948B-1728B52AA6E4}">
+                <adec:decorative xmlns:adec="http://schemas.microsoft.com/office/drawing/2017/decorative" val="1"/>
+              </a:ext>
+            </a:extLst>
+          </p:cNvPr>
+          <p:cNvSpPr>
+            <a:spLocks noGrp="1" noRot="1" noChangeAspect="1" noMove="1" noResize="1" noEditPoints="1" noAdjustHandles="1" noChangeArrowheads="1" noChangeShapeType="1" noTextEdit="1"/>
+          </p:cNvSpPr>
+          <p:nvPr>
+            <p:extLst>
+              <p:ext uri="{386F3935-93C4-4BCD-93E2-E3B085C9AB24}">
+                <p16:designElem xmlns:p16="http://schemas.microsoft.com/office/powerpoint/2015/main" val="1"/>
+              </p:ext>
+            </p:extLst>
+          </p:nvPr>
+        </p:nvSpPr>
+        <p:spPr>
+          <a:xfrm>
+            <a:off x="9270263" y="761999"/>
+            <a:ext cx="2925318" cy="5334001"/>
+          </a:xfrm>
+          <a:prstGeom prst="rect">
+            <a:avLst/>
+          </a:prstGeom>
+          <a:solidFill>
+            <a:srgbClr val="C8C8C8">
+              <a:alpha val="49804"/>
+            </a:srgbClr>
+          </a:solidFill>
+          <a:ln>
+            <a:noFill/>
+          </a:ln>
+        </p:spPr>
+        <p:style>
+          <a:lnRef idx="2">
+            <a:schemeClr val="accent1">
+              <a:shade val="50000"/>
+            </a:schemeClr>
+          </a:lnRef>
+          <a:fillRef idx="1">
+            <a:schemeClr val="accent1"/>
+          </a:fillRef>
+          <a:effectRef idx="0">
+            <a:schemeClr val="accent1"/>
+          </a:effectRef>
+          <a:fontRef idx="minor">
+            <a:schemeClr val="lt1"/>
+          </a:fontRef>
+        </p:style>
+      </p:sp>
+      <p:sp useBgFill="1">
+        <p:nvSpPr>
+          <p:cNvPr id="13" name="Rectangle 12">
+            <a:extLst>
+              <a:ext uri="{FF2B5EF4-FFF2-40B4-BE49-F238E27FC236}">
+                <a16:creationId xmlns:a16="http://schemas.microsoft.com/office/drawing/2014/main" id="{0864E5C9-52C9-4572-AC75-548B9B9C2648}"/>
+              </a:ext>
+              <a:ext uri="{C183D7F6-B498-43B3-948B-1728B52AA6E4}">
+                <adec:decorative xmlns:adec="http://schemas.microsoft.com/office/drawing/2017/decorative" val="1"/>
+              </a:ext>
+            </a:extLst>
+          </p:cNvPr>
+          <p:cNvSpPr>
+            <a:spLocks noGrp="1" noRot="1" noChangeAspect="1" noMove="1" noResize="1" noEditPoints="1" noAdjustHandles="1" noChangeArrowheads="1" noChangeShapeType="1" noTextEdit="1"/>
+          </p:cNvSpPr>
+          <p:nvPr>
+            <p:extLst>
+              <p:ext uri="{386F3935-93C4-4BCD-93E2-E3B085C9AB24}">
+                <p16:designElem xmlns:p16="http://schemas.microsoft.com/office/powerpoint/2015/main" val="1"/>
+              </p:ext>
+            </p:extLst>
+          </p:nvPr>
+        </p:nvSpPr>
+        <p:spPr>
+          <a:xfrm>
+            <a:off x="0" y="0"/>
+            <a:ext cx="12191999" cy="6858000"/>
+          </a:xfrm>
+          <a:prstGeom prst="rect">
+            <a:avLst/>
+          </a:prstGeom>
+          <a:ln>
+            <a:noFill/>
+          </a:ln>
+        </p:spPr>
+        <p:style>
+          <a:lnRef idx="2">
+            <a:schemeClr val="accent1">
+              <a:shade val="50000"/>
+            </a:schemeClr>
+          </a:lnRef>
+          <a:fillRef idx="1">
+            <a:schemeClr val="accent1"/>
+          </a:fillRef>
+          <a:effectRef idx="0">
+            <a:schemeClr val="accent1"/>
+          </a:effectRef>
+          <a:fontRef idx="minor">
+            <a:schemeClr val="lt1"/>
+          </a:fontRef>
+        </p:style>
+        <p:txBody>
+          <a:bodyPr rtlCol="0" anchor="ctr"/>
+          <a:lstStyle/>
+          <a:p>
+            <a:pPr algn="ctr"/>
+            <a:endParaRPr lang="en-US"/>
+          </a:p>
+        </p:txBody>
+      </p:sp>
+      <p:sp>
+        <p:nvSpPr>
+          <p:cNvPr id="15" name="Rectangle 14">
+            <a:extLst>
+              <a:ext uri="{FF2B5EF4-FFF2-40B4-BE49-F238E27FC236}">
+                <a16:creationId xmlns:a16="http://schemas.microsoft.com/office/drawing/2014/main" id="{45CC6500-4DBD-4C34-BC14-2387FB483BEB}"/>
+              </a:ext>
+              <a:ext uri="{C183D7F6-B498-43B3-948B-1728B52AA6E4}">
+                <adec:decorative xmlns:adec="http://schemas.microsoft.com/office/drawing/2017/decorative" val="1"/>
+              </a:ext>
+            </a:extLst>
+          </p:cNvPr>
+          <p:cNvSpPr>
+            <a:spLocks noGrp="1" noRot="1" noChangeAspect="1" noMove="1" noResize="1" noEditPoints="1" noAdjustHandles="1" noChangeArrowheads="1" noChangeShapeType="1" noTextEdit="1"/>
+          </p:cNvSpPr>
+          <p:nvPr>
+            <p:extLst>
+              <p:ext uri="{386F3935-93C4-4BCD-93E2-E3B085C9AB24}">
+                <p16:designElem xmlns:p16="http://schemas.microsoft.com/office/powerpoint/2015/main" val="1"/>
+              </p:ext>
+            </p:extLst>
+          </p:nvPr>
+        </p:nvSpPr>
+        <p:spPr>
+          <a:xfrm>
+            <a:off x="1" y="761999"/>
+            <a:ext cx="4642228" cy="5334001"/>
+          </a:xfrm>
+          <a:prstGeom prst="rect">
+            <a:avLst/>
+          </a:prstGeom>
+          <a:solidFill>
+            <a:schemeClr val="accent1"/>
+          </a:solidFill>
+          <a:ln>
+            <a:noFill/>
+          </a:ln>
+        </p:spPr>
+        <p:style>
+          <a:lnRef idx="2">
+            <a:schemeClr val="accent1">
+              <a:shade val="50000"/>
+            </a:schemeClr>
+          </a:lnRef>
+          <a:fillRef idx="1">
+            <a:schemeClr val="accent1"/>
+          </a:fillRef>
+          <a:effectRef idx="0">
+            <a:schemeClr val="accent1"/>
+          </a:effectRef>
+          <a:fontRef idx="minor">
+            <a:schemeClr val="lt1"/>
+          </a:fontRef>
+        </p:style>
+      </p:sp>
+      <p:sp>
+        <p:nvSpPr>
+          <p:cNvPr id="2" name="Title 1">
+            <a:extLst>
+              <a:ext uri="{FF2B5EF4-FFF2-40B4-BE49-F238E27FC236}">
+                <a16:creationId xmlns:a16="http://schemas.microsoft.com/office/drawing/2014/main" id="{CB90ED96-7C1A-47FF-9F92-D416056F516B}"/>
+              </a:ext>
+            </a:extLst>
+          </p:cNvPr>
+          <p:cNvSpPr>
+            <a:spLocks noGrp="1"/>
+          </p:cNvSpPr>
+          <p:nvPr>
+            <p:ph type="title"/>
+          </p:nvPr>
+        </p:nvSpPr>
+        <p:spPr>
+          <a:xfrm>
+            <a:off x="261348" y="2118554"/>
+            <a:ext cx="5422097" cy="3615655"/>
+          </a:xfrm>
+        </p:spPr>
+        <p:txBody>
+          <a:bodyPr vert="horz" lIns="91440" tIns="45720" rIns="91440" bIns="45720" rtlCol="0" anchor="b">
+            <a:normAutofit fontScale="90000"/>
+          </a:bodyPr>
+          <a:lstStyle/>
+          <a:p>
+            <a:br>
+              <a:rPr lang="en-US" sz="5500" b="1" spc="-100" dirty="0"/>
+            </a:br>
+            <a:br>
+              <a:rPr lang="en-US" sz="5500" b="1" spc="-100" dirty="0"/>
+            </a:br>
+            <a:br>
+              <a:rPr lang="en-US" sz="5500" b="1" spc="-100" dirty="0"/>
+            </a:br>
+            <a:br>
+              <a:rPr lang="en-US" sz="5500" b="1" spc="-100" dirty="0"/>
+            </a:br>
+            <a:br>
+              <a:rPr lang="en-US" sz="5500" b="1" spc="-100" dirty="0"/>
+            </a:br>
+            <a:br>
+              <a:rPr lang="en-US" sz="5500" b="1" spc="-100" dirty="0"/>
+            </a:br>
+            <a:br>
+              <a:rPr lang="en-US" sz="5500" b="1" spc="-100" dirty="0"/>
+            </a:br>
+            <a:br>
+              <a:rPr lang="en-US" sz="5500" b="1" spc="-100" dirty="0"/>
+            </a:br>
+            <a:br>
+              <a:rPr lang="en-US" sz="5500" b="1" spc="-100" dirty="0"/>
+            </a:br>
+            <a:br>
+              <a:rPr lang="en-US" sz="5500" b="1" spc="-100" dirty="0"/>
+            </a:br>
+            <a:br>
+              <a:rPr lang="en-US" sz="5500" b="1" spc="-100" dirty="0"/>
+            </a:br>
+            <a:br>
+              <a:rPr lang="en-US" sz="5500" b="1" spc="-100" dirty="0"/>
+            </a:br>
+            <a:br>
+              <a:rPr lang="en-US" sz="5500" b="1" spc="-100" dirty="0"/>
+            </a:br>
+            <a:r>
+              <a:rPr lang="en-US" sz="5500" b="1" spc="-100" dirty="0" err="1"/>
+              <a:t>Modelado</a:t>
+            </a:r>
+            <a:r>
+              <a:rPr lang="en-US" sz="5500" b="1" spc="-100" dirty="0"/>
+              <a:t> </a:t>
+            </a:r>
+            <a:r>
+              <a:rPr lang="en-US" sz="5500" b="1" spc="-100" dirty="0" err="1"/>
+              <a:t>modificado</a:t>
+            </a:r>
+            <a:r>
+              <a:rPr lang="en-US" sz="5500" b="1" spc="-100" dirty="0"/>
+              <a:t> </a:t>
+            </a:r>
+            <a:br>
+              <a:rPr lang="en-US" sz="5500" b="1" spc="-100" dirty="0"/>
+            </a:br>
+            <a:r>
+              <a:rPr lang="en-US" sz="5500" b="1" spc="-100" dirty="0"/>
+              <a:t>de la red</a:t>
+            </a:r>
+            <a:br>
+              <a:rPr lang="en-US" sz="5500" b="1" spc="-100" dirty="0"/>
+            </a:br>
+            <a:br>
+              <a:rPr lang="en-US" sz="5500" b="1" spc="-100" dirty="0"/>
+            </a:br>
+            <a:endParaRPr lang="en-US" sz="5500" b="1" spc="-100" dirty="0"/>
+          </a:p>
+        </p:txBody>
+      </p:sp>
+      <p:pic>
+        <p:nvPicPr>
+          <p:cNvPr id="4" name="Content Placeholder 3">
+            <a:extLst>
+              <a:ext uri="{FF2B5EF4-FFF2-40B4-BE49-F238E27FC236}">
+                <a16:creationId xmlns:a16="http://schemas.microsoft.com/office/drawing/2014/main" id="{097AB118-122C-4ACA-88BA-4F1C4D4303D1}"/>
+              </a:ext>
+            </a:extLst>
+          </p:cNvPr>
+          <p:cNvPicPr>
+            <a:picLocks noGrp="1" noChangeAspect="1"/>
+          </p:cNvPicPr>
+          <p:nvPr>
+            <p:ph idx="1"/>
+          </p:nvPr>
+        </p:nvPicPr>
+        <p:blipFill>
+          <a:blip r:embed="rId2"/>
+          <a:stretch>
+            <a:fillRect/>
+          </a:stretch>
+        </p:blipFill>
+        <p:spPr>
+          <a:xfrm>
+            <a:off x="5145578" y="858555"/>
+            <a:ext cx="6367271" cy="5140890"/>
+          </a:xfrm>
+          <a:prstGeom prst="rect">
+            <a:avLst/>
+          </a:prstGeom>
+        </p:spPr>
+      </p:pic>
+      <p:sp>
+        <p:nvSpPr>
+          <p:cNvPr id="17" name="Rectangle 16">
+            <a:extLst>
+              <a:ext uri="{FF2B5EF4-FFF2-40B4-BE49-F238E27FC236}">
+                <a16:creationId xmlns:a16="http://schemas.microsoft.com/office/drawing/2014/main" id="{4E34A3B6-BAD2-4156-BDC6-4736248BFDE0}"/>
+              </a:ext>
+              <a:ext uri="{C183D7F6-B498-43B3-948B-1728B52AA6E4}">
+                <adec:decorative xmlns:adec="http://schemas.microsoft.com/office/drawing/2017/decorative" val="1"/>
+              </a:ext>
+            </a:extLst>
+          </p:cNvPr>
+          <p:cNvSpPr>
+            <a:spLocks noGrp="1" noRot="1" noChangeAspect="1" noMove="1" noResize="1" noEditPoints="1" noAdjustHandles="1" noChangeArrowheads="1" noChangeShapeType="1" noTextEdit="1"/>
+          </p:cNvSpPr>
+          <p:nvPr>
+            <p:extLst>
+              <p:ext uri="{386F3935-93C4-4BCD-93E2-E3B085C9AB24}">
+                <p16:designElem xmlns:p16="http://schemas.microsoft.com/office/powerpoint/2015/main" val="1"/>
+              </p:ext>
+            </p:extLst>
+          </p:nvPr>
+        </p:nvSpPr>
+        <p:spPr>
+          <a:xfrm>
+            <a:off x="11815864" y="758952"/>
+            <a:ext cx="384048" cy="5330952"/>
+          </a:xfrm>
+          <a:prstGeom prst="rect">
+            <a:avLst/>
+          </a:prstGeom>
+          <a:solidFill>
+            <a:srgbClr val="C8C8C8">
+              <a:alpha val="49804"/>
+            </a:srgbClr>
+          </a:solidFill>
+          <a:ln>
+            <a:noFill/>
+          </a:ln>
+        </p:spPr>
+        <p:style>
+          <a:lnRef idx="2">
+            <a:schemeClr val="accent1">
+              <a:shade val="50000"/>
+            </a:schemeClr>
+          </a:lnRef>
+          <a:fillRef idx="1">
+            <a:schemeClr val="accent1"/>
+          </a:fillRef>
+          <a:effectRef idx="0">
+            <a:schemeClr val="accent1"/>
+          </a:effectRef>
+          <a:fontRef idx="minor">
+            <a:schemeClr val="lt1"/>
+          </a:fontRef>
+        </p:style>
+      </p:sp>
+      <p:sp>
+        <p:nvSpPr>
+          <p:cNvPr id="3" name="CuadroTexto 2">
+            <a:extLst>
+              <a:ext uri="{FF2B5EF4-FFF2-40B4-BE49-F238E27FC236}">
+                <a16:creationId xmlns:a16="http://schemas.microsoft.com/office/drawing/2014/main" id="{1B760E71-EBCA-411D-A0A3-F4D6EB1241AB}"/>
+              </a:ext>
+            </a:extLst>
+          </p:cNvPr>
+          <p:cNvSpPr txBox="1"/>
+          <p:nvPr/>
+        </p:nvSpPr>
+        <p:spPr>
+          <a:xfrm>
+            <a:off x="290806" y="894989"/>
+            <a:ext cx="3665989" cy="861774"/>
+          </a:xfrm>
+          <a:prstGeom prst="rect">
+            <a:avLst/>
+          </a:prstGeom>
+          <a:noFill/>
+        </p:spPr>
+        <p:txBody>
+          <a:bodyPr wrap="square" rtlCol="0">
+            <a:spAutoFit/>
+          </a:bodyPr>
+          <a:lstStyle/>
+          <a:p>
+            <a:r>
+              <a:rPr lang="es-ES" sz="5000" b="1" dirty="0">
+                <a:solidFill>
+                  <a:schemeClr val="bg1"/>
+                </a:solidFill>
+              </a:rPr>
+              <a:t>Apartado B</a:t>
+            </a:r>
+          </a:p>
+        </p:txBody>
+      </p:sp>
+    </p:spTree>
+    <p:extLst>
+      <p:ext uri="{BB962C8B-B14F-4D97-AF65-F5344CB8AC3E}">
+        <p14:creationId xmlns:p14="http://schemas.microsoft.com/office/powerpoint/2010/main" val="3387630979"/>
+      </p:ext>
+    </p:extLst>
+  </p:cSld>
+  <p:clrMapOvr>
+    <a:masterClrMapping/>
+  </p:clrMapOvr>
+</p:sld>
+</file>
+
 <file path=ppt/slides/slide2.xml><?xml version="1.0" encoding="utf-8"?>
 <p:sld xmlns:a="http://schemas.openxmlformats.org/drawingml/2006/main" xmlns:r="http://schemas.openxmlformats.org/officeDocument/2006/relationships" xmlns:p="http://schemas.openxmlformats.org/presentationml/2006/main">
   <p:cSld>
@@ -3886,20 +4385,78 @@
         </p:nvSpPr>
         <p:spPr>
           <a:xfrm>
-            <a:off x="1069849" y="1298448"/>
-            <a:ext cx="3258688" cy="3255264"/>
+            <a:off x="261348" y="2118554"/>
+            <a:ext cx="5422097" cy="3615655"/>
           </a:xfrm>
         </p:spPr>
         <p:txBody>
           <a:bodyPr vert="horz" lIns="91440" tIns="45720" rIns="91440" bIns="45720" rtlCol="0" anchor="b">
-            <a:normAutofit/>
+            <a:normAutofit fontScale="90000"/>
           </a:bodyPr>
           <a:lstStyle/>
           <a:p>
-            <a:r>
-              <a:rPr lang="en-US" sz="5500" b="1" spc="-100"/>
-              <a:t>Modelado inicial de la red</a:t>
-            </a:r>
+            <a:br>
+              <a:rPr lang="en-US" sz="5500" b="1" spc="-100" dirty="0"/>
+            </a:br>
+            <a:br>
+              <a:rPr lang="en-US" sz="5500" b="1" spc="-100" dirty="0"/>
+            </a:br>
+            <a:br>
+              <a:rPr lang="en-US" sz="5500" b="1" spc="-100" dirty="0"/>
+            </a:br>
+            <a:br>
+              <a:rPr lang="en-US" sz="5500" b="1" spc="-100" dirty="0"/>
+            </a:br>
+            <a:br>
+              <a:rPr lang="en-US" sz="5500" b="1" spc="-100" dirty="0"/>
+            </a:br>
+            <a:br>
+              <a:rPr lang="en-US" sz="5500" b="1" spc="-100" dirty="0"/>
+            </a:br>
+            <a:br>
+              <a:rPr lang="en-US" sz="5500" b="1" spc="-100" dirty="0"/>
+            </a:br>
+            <a:br>
+              <a:rPr lang="en-US" sz="5500" b="1" spc="-100" dirty="0"/>
+            </a:br>
+            <a:br>
+              <a:rPr lang="en-US" sz="5500" b="1" spc="-100" dirty="0"/>
+            </a:br>
+            <a:br>
+              <a:rPr lang="en-US" sz="5500" b="1" spc="-100" dirty="0"/>
+            </a:br>
+            <a:br>
+              <a:rPr lang="en-US" sz="5500" b="1" spc="-100" dirty="0"/>
+            </a:br>
+            <a:br>
+              <a:rPr lang="en-US" sz="5500" b="1" spc="-100" dirty="0"/>
+            </a:br>
+            <a:br>
+              <a:rPr lang="en-US" sz="5500" b="1" spc="-100" dirty="0"/>
+            </a:br>
+            <a:r>
+              <a:rPr lang="en-US" sz="5500" b="1" spc="-100" dirty="0" err="1"/>
+              <a:t>Modelado</a:t>
+            </a:r>
+            <a:r>
+              <a:rPr lang="en-US" sz="5500" b="1" spc="-100" dirty="0"/>
+              <a:t> </a:t>
+            </a:r>
+            <a:r>
+              <a:rPr lang="en-US" sz="5500" b="1" spc="-100" dirty="0" err="1"/>
+              <a:t>inicial</a:t>
+            </a:r>
+            <a:r>
+              <a:rPr lang="en-US" sz="5500" b="1" spc="-100" dirty="0"/>
+              <a:t> de la red</a:t>
+            </a:r>
+            <a:br>
+              <a:rPr lang="en-US" sz="5500" b="1" spc="-100" dirty="0"/>
+            </a:br>
+            <a:br>
+              <a:rPr lang="en-US" sz="5500" b="1" spc="-100" dirty="0"/>
+            </a:br>
+            <a:endParaRPr lang="en-US" sz="5500" b="1" spc="-100" dirty="0"/>
           </a:p>
         </p:txBody>
       </p:sp>
@@ -3991,6 +4548,45 @@
             <a:schemeClr val="lt1"/>
           </a:fontRef>
         </p:style>
+      </p:sp>
+      <p:sp>
+        <p:nvSpPr>
+          <p:cNvPr id="3" name="CuadroTexto 2">
+            <a:extLst>
+              <a:ext uri="{FF2B5EF4-FFF2-40B4-BE49-F238E27FC236}">
+                <a16:creationId xmlns:a16="http://schemas.microsoft.com/office/drawing/2014/main" id="{1B760E71-EBCA-411D-A0A3-F4D6EB1241AB}"/>
+              </a:ext>
+            </a:extLst>
+          </p:cNvPr>
+          <p:cNvSpPr txBox="1"/>
+          <p:nvPr/>
+        </p:nvSpPr>
+        <p:spPr>
+          <a:xfrm>
+            <a:off x="290806" y="894989"/>
+            <a:ext cx="3665989" cy="861774"/>
+          </a:xfrm>
+          <a:prstGeom prst="rect">
+            <a:avLst/>
+          </a:prstGeom>
+          <a:noFill/>
+        </p:spPr>
+        <p:txBody>
+          <a:bodyPr wrap="square" rtlCol="0">
+            <a:spAutoFit/>
+          </a:bodyPr>
+          <a:lstStyle/>
+          <a:p>
+            <a:r>
+              <a:rPr lang="es-ES" sz="5000" b="1" dirty="0">
+                <a:solidFill>
+                  <a:schemeClr val="bg1"/>
+                </a:solidFill>
+              </a:rPr>
+              <a:t>Apartado A</a:t>
+            </a:r>
+          </a:p>
+        </p:txBody>
       </p:sp>
     </p:spTree>
     <p:extLst>

--- a/Practica 02/Modelado de riesgos con Hugin Expert.pptx
+++ b/Practica 02/Modelado de riesgos con Hugin Expert.pptx
@@ -15,6 +15,13 @@
     <p:sldId id="263" r:id="rId9"/>
     <p:sldId id="264" r:id="rId10"/>
     <p:sldId id="265" r:id="rId11"/>
+    <p:sldId id="266" r:id="rId12"/>
+    <p:sldId id="267" r:id="rId13"/>
+    <p:sldId id="268" r:id="rId14"/>
+    <p:sldId id="269" r:id="rId15"/>
+    <p:sldId id="270" r:id="rId16"/>
+    <p:sldId id="271" r:id="rId17"/>
+    <p:sldId id="272" r:id="rId18"/>
   </p:sldIdLst>
   <p:sldSz cx="12192000" cy="6858000"/>
   <p:notesSz cx="6858000" cy="9144000"/>
@@ -346,7 +353,7 @@
             <a:fld id="{5586B75A-687E-405C-8A0B-8D00578BA2C3}" type="datetimeFigureOut">
               <a:rPr lang="en-US" smtClean="0"/>
               <a:pPr/>
-              <a:t>11/19/2018</a:t>
+              <a:t>11/28/2018</a:t>
             </a:fld>
             <a:endParaRPr lang="en-US" dirty="0"/>
           </a:p>
@@ -389,7 +396,7 @@
             <a:fld id="{4FAB73BC-B049-4115-A692-8D63A059BFB8}" type="slidenum">
               <a:rPr lang="en-US" smtClean="0"/>
               <a:pPr/>
-              <a:t>‹Nº›</a:t>
+              <a:t>‹#›</a:t>
             </a:fld>
             <a:endParaRPr lang="en-US" dirty="0"/>
           </a:p>
@@ -518,7 +525,7 @@
             <a:fld id="{5586B75A-687E-405C-8A0B-8D00578BA2C3}" type="datetimeFigureOut">
               <a:rPr lang="en-US" smtClean="0"/>
               <a:pPr/>
-              <a:t>11/19/2018</a:t>
+              <a:t>11/28/2018</a:t>
             </a:fld>
             <a:endParaRPr lang="en-US" dirty="0"/>
           </a:p>
@@ -561,7 +568,7 @@
             <a:fld id="{4FAB73BC-B049-4115-A692-8D63A059BFB8}" type="slidenum">
               <a:rPr lang="en-US" smtClean="0"/>
               <a:pPr/>
-              <a:t>‹Nº›</a:t>
+              <a:t>‹#›</a:t>
             </a:fld>
             <a:endParaRPr lang="en-US" dirty="0"/>
           </a:p>
@@ -700,7 +707,7 @@
             <a:fld id="{5586B75A-687E-405C-8A0B-8D00578BA2C3}" type="datetimeFigureOut">
               <a:rPr lang="en-US" smtClean="0"/>
               <a:pPr/>
-              <a:t>11/19/2018</a:t>
+              <a:t>11/28/2018</a:t>
             </a:fld>
             <a:endParaRPr lang="en-US" dirty="0"/>
           </a:p>
@@ -743,7 +750,7 @@
             <a:fld id="{4FAB73BC-B049-4115-A692-8D63A059BFB8}" type="slidenum">
               <a:rPr lang="en-US" smtClean="0"/>
               <a:pPr/>
-              <a:t>‹Nº›</a:t>
+              <a:t>‹#›</a:t>
             </a:fld>
             <a:endParaRPr lang="en-US" dirty="0"/>
           </a:p>
@@ -872,7 +879,7 @@
             <a:fld id="{5586B75A-687E-405C-8A0B-8D00578BA2C3}" type="datetimeFigureOut">
               <a:rPr lang="en-US" smtClean="0"/>
               <a:pPr/>
-              <a:t>11/19/2018</a:t>
+              <a:t>11/28/2018</a:t>
             </a:fld>
             <a:endParaRPr lang="en-US" dirty="0"/>
           </a:p>
@@ -915,7 +922,7 @@
             <a:fld id="{4FAB73BC-B049-4115-A692-8D63A059BFB8}" type="slidenum">
               <a:rPr lang="en-US" smtClean="0"/>
               <a:pPr/>
-              <a:t>‹Nº›</a:t>
+              <a:t>‹#›</a:t>
             </a:fld>
             <a:endParaRPr lang="en-US" dirty="0"/>
           </a:p>
@@ -1132,7 +1139,7 @@
             <a:fld id="{5586B75A-687E-405C-8A0B-8D00578BA2C3}" type="datetimeFigureOut">
               <a:rPr lang="en-US" smtClean="0"/>
               <a:pPr/>
-              <a:t>11/19/2018</a:t>
+              <a:t>11/28/2018</a:t>
             </a:fld>
             <a:endParaRPr lang="en-US" dirty="0"/>
           </a:p>
@@ -1175,7 +1182,7 @@
             <a:fld id="{4FAB73BC-B049-4115-A692-8D63A059BFB8}" type="slidenum">
               <a:rPr lang="en-US" smtClean="0"/>
               <a:pPr/>
-              <a:t>‹Nº›</a:t>
+              <a:t>‹#›</a:t>
             </a:fld>
             <a:endParaRPr lang="en-US" dirty="0"/>
           </a:p>
@@ -1422,7 +1429,7 @@
             <a:fld id="{5586B75A-687E-405C-8A0B-8D00578BA2C3}" type="datetimeFigureOut">
               <a:rPr lang="en-US" smtClean="0"/>
               <a:pPr/>
-              <a:t>11/19/2018</a:t>
+              <a:t>11/28/2018</a:t>
             </a:fld>
             <a:endParaRPr lang="en-US" dirty="0"/>
           </a:p>
@@ -1465,7 +1472,7 @@
             <a:fld id="{4FAB73BC-B049-4115-A692-8D63A059BFB8}" type="slidenum">
               <a:rPr lang="en-US" smtClean="0"/>
               <a:pPr/>
-              <a:t>‹Nº›</a:t>
+              <a:t>‹#›</a:t>
             </a:fld>
             <a:endParaRPr lang="en-US" dirty="0"/>
           </a:p>
@@ -1866,7 +1873,7 @@
             <a:fld id="{5586B75A-687E-405C-8A0B-8D00578BA2C3}" type="datetimeFigureOut">
               <a:rPr lang="en-US" smtClean="0"/>
               <a:pPr/>
-              <a:t>11/19/2018</a:t>
+              <a:t>11/28/2018</a:t>
             </a:fld>
             <a:endParaRPr lang="en-US" dirty="0"/>
           </a:p>
@@ -1909,7 +1916,7 @@
             <a:fld id="{4FAB73BC-B049-4115-A692-8D63A059BFB8}" type="slidenum">
               <a:rPr lang="en-US" smtClean="0"/>
               <a:pPr/>
-              <a:t>‹Nº›</a:t>
+              <a:t>‹#›</a:t>
             </a:fld>
             <a:endParaRPr lang="en-US" dirty="0"/>
           </a:p>
@@ -1986,7 +1993,7 @@
             <a:fld id="{5586B75A-687E-405C-8A0B-8D00578BA2C3}" type="datetimeFigureOut">
               <a:rPr lang="en-US" smtClean="0"/>
               <a:pPr/>
-              <a:t>11/19/2018</a:t>
+              <a:t>11/28/2018</a:t>
             </a:fld>
             <a:endParaRPr lang="en-US" dirty="0"/>
           </a:p>
@@ -2029,7 +2036,7 @@
             <a:fld id="{4FAB73BC-B049-4115-A692-8D63A059BFB8}" type="slidenum">
               <a:rPr lang="en-US" smtClean="0"/>
               <a:pPr/>
-              <a:t>‹Nº›</a:t>
+              <a:t>‹#›</a:t>
             </a:fld>
             <a:endParaRPr lang="en-US" dirty="0"/>
           </a:p>
@@ -2083,7 +2090,7 @@
             <a:fld id="{5586B75A-687E-405C-8A0B-8D00578BA2C3}" type="datetimeFigureOut">
               <a:rPr lang="en-US" smtClean="0"/>
               <a:pPr/>
-              <a:t>11/19/2018</a:t>
+              <a:t>11/28/2018</a:t>
             </a:fld>
             <a:endParaRPr lang="en-US" dirty="0"/>
           </a:p>
@@ -2126,7 +2133,7 @@
             <a:fld id="{4FAB73BC-B049-4115-A692-8D63A059BFB8}" type="slidenum">
               <a:rPr lang="en-US" smtClean="0"/>
               <a:pPr/>
-              <a:t>‹Nº›</a:t>
+              <a:t>‹#›</a:t>
             </a:fld>
             <a:endParaRPr lang="en-US" dirty="0"/>
           </a:p>
@@ -2373,7 +2380,7 @@
             <a:fld id="{5586B75A-687E-405C-8A0B-8D00578BA2C3}" type="datetimeFigureOut">
               <a:rPr lang="en-US" smtClean="0"/>
               <a:pPr/>
-              <a:t>11/19/2018</a:t>
+              <a:t>11/28/2018</a:t>
             </a:fld>
             <a:endParaRPr lang="en-US" dirty="0"/>
           </a:p>
@@ -2416,7 +2423,7 @@
             <a:fld id="{4FAB73BC-B049-4115-A692-8D63A059BFB8}" type="slidenum">
               <a:rPr lang="en-US" smtClean="0"/>
               <a:pPr/>
-              <a:t>‹Nº›</a:t>
+              <a:t>‹#›</a:t>
             </a:fld>
             <a:endParaRPr lang="en-US" dirty="0"/>
           </a:p>
@@ -2648,7 +2655,7 @@
             <a:fld id="{5586B75A-687E-405C-8A0B-8D00578BA2C3}" type="datetimeFigureOut">
               <a:rPr lang="en-US" smtClean="0"/>
               <a:pPr/>
-              <a:t>11/19/2018</a:t>
+              <a:t>11/28/2018</a:t>
             </a:fld>
             <a:endParaRPr lang="en-US" dirty="0"/>
           </a:p>
@@ -2696,7 +2703,7 @@
             <a:fld id="{4FAB73BC-B049-4115-A692-8D63A059BFB8}" type="slidenum">
               <a:rPr lang="en-US" smtClean="0"/>
               <a:pPr/>
-              <a:t>‹Nº›</a:t>
+              <a:t>‹#›</a:t>
             </a:fld>
             <a:endParaRPr lang="en-US" dirty="0"/>
           </a:p>
@@ -2947,7 +2954,7 @@
             <a:fld id="{5586B75A-687E-405C-8A0B-8D00578BA2C3}" type="datetimeFigureOut">
               <a:rPr lang="en-US" smtClean="0"/>
               <a:pPr/>
-              <a:t>11/19/2018</a:t>
+              <a:t>11/28/2018</a:t>
             </a:fld>
             <a:endParaRPr lang="en-US" dirty="0"/>
           </a:p>
@@ -3025,7 +3032,7 @@
             <a:fld id="{4FAB73BC-B049-4115-A692-8D63A059BFB8}" type="slidenum">
               <a:rPr lang="en-US" smtClean="0"/>
               <a:pPr/>
-              <a:t>‹Nº›</a:t>
+              <a:t>‹#›</a:t>
             </a:fld>
             <a:endParaRPr lang="en-US" dirty="0"/>
           </a:p>
@@ -4115,6 +4122,2592 @@
 </p:sld>
 </file>
 
+<file path=ppt/slides/slide11.xml><?xml version="1.0" encoding="utf-8"?>
+<p:sld xmlns:a="http://schemas.openxmlformats.org/drawingml/2006/main" xmlns:r="http://schemas.openxmlformats.org/officeDocument/2006/relationships" xmlns:p="http://schemas.openxmlformats.org/presentationml/2006/main">
+  <p:cSld>
+    <p:spTree>
+      <p:nvGrpSpPr>
+        <p:cNvPr id="1" name=""/>
+        <p:cNvGrpSpPr/>
+        <p:nvPr/>
+      </p:nvGrpSpPr>
+      <p:grpSpPr>
+        <a:xfrm>
+          <a:off x="0" y="0"/>
+          <a:ext cx="0" cy="0"/>
+          <a:chOff x="0" y="0"/>
+          <a:chExt cx="0" cy="0"/>
+        </a:xfrm>
+      </p:grpSpPr>
+      <p:sp>
+        <p:nvSpPr>
+          <p:cNvPr id="2" name="Title 1">
+            <a:extLst>
+              <a:ext uri="{FF2B5EF4-FFF2-40B4-BE49-F238E27FC236}">
+                <a16:creationId xmlns:a16="http://schemas.microsoft.com/office/drawing/2014/main" id="{4FCC9977-7D08-4A9E-878F-CB5C994FCE7A}"/>
+              </a:ext>
+            </a:extLst>
+          </p:cNvPr>
+          <p:cNvSpPr>
+            <a:spLocks noGrp="1"/>
+          </p:cNvSpPr>
+          <p:nvPr>
+            <p:ph type="title"/>
+          </p:nvPr>
+        </p:nvSpPr>
+        <p:spPr/>
+        <p:txBody>
+          <a:bodyPr/>
+          <a:lstStyle/>
+          <a:p>
+            <a:r>
+              <a:rPr lang="es-ES" dirty="0"/>
+              <a:t>Probabilidades</a:t>
+            </a:r>
+            <a:endParaRPr lang="en-US" dirty="0"/>
+          </a:p>
+        </p:txBody>
+      </p:sp>
+      <p:pic>
+        <p:nvPicPr>
+          <p:cNvPr id="6" name="Content Placeholder 5">
+            <a:extLst>
+              <a:ext uri="{FF2B5EF4-FFF2-40B4-BE49-F238E27FC236}">
+                <a16:creationId xmlns:a16="http://schemas.microsoft.com/office/drawing/2014/main" id="{E4CFD474-4411-4352-B72E-1D1ABC0D9126}"/>
+              </a:ext>
+            </a:extLst>
+          </p:cNvPr>
+          <p:cNvPicPr>
+            <a:picLocks noGrp="1" noChangeAspect="1"/>
+          </p:cNvPicPr>
+          <p:nvPr>
+            <p:ph idx="1"/>
+          </p:nvPr>
+        </p:nvPicPr>
+        <p:blipFill>
+          <a:blip r:embed="rId2"/>
+          <a:stretch>
+            <a:fillRect/>
+          </a:stretch>
+        </p:blipFill>
+        <p:spPr>
+          <a:xfrm>
+            <a:off x="4732266" y="4153013"/>
+            <a:ext cx="5581650" cy="1581150"/>
+          </a:xfrm>
+          <a:prstGeom prst="rect">
+            <a:avLst/>
+          </a:prstGeom>
+        </p:spPr>
+      </p:pic>
+      <p:pic>
+        <p:nvPicPr>
+          <p:cNvPr id="4" name="Picture 3">
+            <a:extLst>
+              <a:ext uri="{FF2B5EF4-FFF2-40B4-BE49-F238E27FC236}">
+                <a16:creationId xmlns:a16="http://schemas.microsoft.com/office/drawing/2014/main" id="{CAA3F2FE-8068-478F-B2C2-19F0E44AFEED}"/>
+              </a:ext>
+            </a:extLst>
+          </p:cNvPr>
+          <p:cNvPicPr>
+            <a:picLocks noChangeAspect="1"/>
+          </p:cNvPicPr>
+          <p:nvPr/>
+        </p:nvPicPr>
+        <p:blipFill>
+          <a:blip r:embed="rId3"/>
+          <a:stretch>
+            <a:fillRect/>
+          </a:stretch>
+        </p:blipFill>
+        <p:spPr>
+          <a:xfrm>
+            <a:off x="5226947" y="1123837"/>
+            <a:ext cx="4600575" cy="1285875"/>
+          </a:xfrm>
+          <a:prstGeom prst="rect">
+            <a:avLst/>
+          </a:prstGeom>
+        </p:spPr>
+      </p:pic>
+      <p:pic>
+        <p:nvPicPr>
+          <p:cNvPr id="5" name="Picture 4">
+            <a:extLst>
+              <a:ext uri="{FF2B5EF4-FFF2-40B4-BE49-F238E27FC236}">
+                <a16:creationId xmlns:a16="http://schemas.microsoft.com/office/drawing/2014/main" id="{BEDBBEC0-C891-486B-9507-36292554CFF1}"/>
+              </a:ext>
+            </a:extLst>
+          </p:cNvPr>
+          <p:cNvPicPr>
+            <a:picLocks noChangeAspect="1"/>
+          </p:cNvPicPr>
+          <p:nvPr/>
+        </p:nvPicPr>
+        <p:blipFill>
+          <a:blip r:embed="rId4"/>
+          <a:stretch>
+            <a:fillRect/>
+          </a:stretch>
+        </p:blipFill>
+        <p:spPr>
+          <a:xfrm>
+            <a:off x="4898954" y="2552891"/>
+            <a:ext cx="5248275" cy="1447800"/>
+          </a:xfrm>
+          <a:prstGeom prst="rect">
+            <a:avLst/>
+          </a:prstGeom>
+        </p:spPr>
+      </p:pic>
+    </p:spTree>
+    <p:extLst>
+      <p:ext uri="{BB962C8B-B14F-4D97-AF65-F5344CB8AC3E}">
+        <p14:creationId xmlns:p14="http://schemas.microsoft.com/office/powerpoint/2010/main" val="161989114"/>
+      </p:ext>
+    </p:extLst>
+  </p:cSld>
+  <p:clrMapOvr>
+    <a:masterClrMapping/>
+  </p:clrMapOvr>
+</p:sld>
+</file>
+
+<file path=ppt/slides/slide12.xml><?xml version="1.0" encoding="utf-8"?>
+<p:sld xmlns:a="http://schemas.openxmlformats.org/drawingml/2006/main" xmlns:r="http://schemas.openxmlformats.org/officeDocument/2006/relationships" xmlns:p="http://schemas.openxmlformats.org/presentationml/2006/main">
+  <p:cSld>
+    <p:bg>
+      <p:bgPr>
+        <a:solidFill>
+          <a:schemeClr val="bg1"/>
+        </a:solidFill>
+        <a:effectLst/>
+      </p:bgPr>
+    </p:bg>
+    <p:spTree>
+      <p:nvGrpSpPr>
+        <p:cNvPr id="1" name=""/>
+        <p:cNvGrpSpPr/>
+        <p:nvPr/>
+      </p:nvGrpSpPr>
+      <p:grpSpPr>
+        <a:xfrm>
+          <a:off x="0" y="0"/>
+          <a:ext cx="0" cy="0"/>
+          <a:chOff x="0" y="0"/>
+          <a:chExt cx="0" cy="0"/>
+        </a:xfrm>
+      </p:grpSpPr>
+      <p:sp useBgFill="1">
+        <p:nvSpPr>
+          <p:cNvPr id="8" name="Rectangle 7">
+            <a:extLst>
+              <a:ext uri="{FF2B5EF4-FFF2-40B4-BE49-F238E27FC236}">
+                <a16:creationId xmlns:a16="http://schemas.microsoft.com/office/drawing/2014/main" id="{80516254-1D9F-4F3A-9870-3A3280BE2BFE}"/>
+              </a:ext>
+              <a:ext uri="{C183D7F6-B498-43B3-948B-1728B52AA6E4}">
+                <adec:decorative xmlns:adec="http://schemas.microsoft.com/office/drawing/2017/decorative" val="1"/>
+              </a:ext>
+            </a:extLst>
+          </p:cNvPr>
+          <p:cNvSpPr>
+            <a:spLocks noGrp="1" noRot="1" noChangeAspect="1" noMove="1" noResize="1" noEditPoints="1" noAdjustHandles="1" noChangeArrowheads="1" noChangeShapeType="1" noTextEdit="1"/>
+          </p:cNvSpPr>
+          <p:nvPr>
+            <p:extLst>
+              <p:ext uri="{386F3935-93C4-4BCD-93E2-E3B085C9AB24}">
+                <p16:designElem xmlns:p16="http://schemas.microsoft.com/office/powerpoint/2015/main" val="1"/>
+              </p:ext>
+            </p:extLst>
+          </p:nvPr>
+        </p:nvSpPr>
+        <p:spPr>
+          <a:xfrm>
+            <a:off x="0" y="0"/>
+            <a:ext cx="12192000" cy="6858000"/>
+          </a:xfrm>
+          <a:prstGeom prst="rect">
+            <a:avLst/>
+          </a:prstGeom>
+          <a:ln>
+            <a:noFill/>
+          </a:ln>
+        </p:spPr>
+        <p:style>
+          <a:lnRef idx="2">
+            <a:schemeClr val="accent1">
+              <a:shade val="50000"/>
+            </a:schemeClr>
+          </a:lnRef>
+          <a:fillRef idx="1">
+            <a:schemeClr val="accent1"/>
+          </a:fillRef>
+          <a:effectRef idx="0">
+            <a:schemeClr val="accent1"/>
+          </a:effectRef>
+          <a:fontRef idx="minor">
+            <a:schemeClr val="lt1"/>
+          </a:fontRef>
+        </p:style>
+      </p:sp>
+      <p:sp>
+        <p:nvSpPr>
+          <p:cNvPr id="10" name="Rectangle 9">
+            <a:extLst>
+              <a:ext uri="{FF2B5EF4-FFF2-40B4-BE49-F238E27FC236}">
+                <a16:creationId xmlns:a16="http://schemas.microsoft.com/office/drawing/2014/main" id="{FC14672B-27A5-4CDA-ABAF-5E4CF4B41C23}"/>
+              </a:ext>
+              <a:ext uri="{C183D7F6-B498-43B3-948B-1728B52AA6E4}">
+                <adec:decorative xmlns:adec="http://schemas.microsoft.com/office/drawing/2017/decorative" val="1"/>
+              </a:ext>
+            </a:extLst>
+          </p:cNvPr>
+          <p:cNvSpPr>
+            <a:spLocks noGrp="1" noRot="1" noChangeAspect="1" noMove="1" noResize="1" noEditPoints="1" noAdjustHandles="1" noChangeArrowheads="1" noChangeShapeType="1" noTextEdit="1"/>
+          </p:cNvSpPr>
+          <p:nvPr>
+            <p:extLst>
+              <p:ext uri="{386F3935-93C4-4BCD-93E2-E3B085C9AB24}">
+                <p16:designElem xmlns:p16="http://schemas.microsoft.com/office/powerpoint/2015/main" val="1"/>
+              </p:ext>
+            </p:extLst>
+          </p:nvPr>
+        </p:nvSpPr>
+        <p:spPr>
+          <a:xfrm>
+            <a:off x="0" y="761999"/>
+            <a:ext cx="1286934" cy="5334001"/>
+          </a:xfrm>
+          <a:prstGeom prst="rect">
+            <a:avLst/>
+          </a:prstGeom>
+          <a:solidFill>
+            <a:schemeClr val="accent1"/>
+          </a:solidFill>
+          <a:ln>
+            <a:noFill/>
+          </a:ln>
+        </p:spPr>
+        <p:style>
+          <a:lnRef idx="2">
+            <a:schemeClr val="accent1">
+              <a:shade val="50000"/>
+            </a:schemeClr>
+          </a:lnRef>
+          <a:fillRef idx="1">
+            <a:schemeClr val="accent1"/>
+          </a:fillRef>
+          <a:effectRef idx="0">
+            <a:schemeClr val="accent1"/>
+          </a:effectRef>
+          <a:fontRef idx="minor">
+            <a:schemeClr val="lt1"/>
+          </a:fontRef>
+        </p:style>
+      </p:sp>
+      <p:cxnSp>
+        <p:nvCxnSpPr>
+          <p:cNvPr id="12" name="Straight Connector 11">
+            <a:extLst>
+              <a:ext uri="{FF2B5EF4-FFF2-40B4-BE49-F238E27FC236}">
+                <a16:creationId xmlns:a16="http://schemas.microsoft.com/office/drawing/2014/main" id="{8D89589C-2C90-4407-A995-05EC3DD7AB14}"/>
+              </a:ext>
+              <a:ext uri="{C183D7F6-B498-43B3-948B-1728B52AA6E4}">
+                <adec:decorative xmlns:adec="http://schemas.microsoft.com/office/drawing/2017/decorative" val="1"/>
+              </a:ext>
+            </a:extLst>
+          </p:cNvPr>
+          <p:cNvCxnSpPr>
+            <a:cxnSpLocks noGrp="1" noRot="1" noChangeAspect="1" noMove="1" noResize="1" noEditPoints="1" noAdjustHandles="1" noChangeArrowheads="1" noChangeShapeType="1"/>
+          </p:cNvCxnSpPr>
+          <p:nvPr>
+            <p:extLst>
+              <p:ext uri="{386F3935-93C4-4BCD-93E2-E3B085C9AB24}">
+                <p16:designElem xmlns:p16="http://schemas.microsoft.com/office/powerpoint/2015/main" val="1"/>
+              </p:ext>
+            </p:extLst>
+          </p:nvPr>
+        </p:nvCxnSpPr>
+        <p:spPr>
+          <a:xfrm>
+            <a:off x="4951129" y="2085681"/>
+            <a:ext cx="0" cy="2686639"/>
+          </a:xfrm>
+          <a:prstGeom prst="line">
+            <a:avLst/>
+          </a:prstGeom>
+          <a:ln w="12700">
+            <a:solidFill>
+              <a:schemeClr val="tx1">
+                <a:lumMod val="50000"/>
+                <a:lumOff val="50000"/>
+              </a:schemeClr>
+            </a:solidFill>
+          </a:ln>
+        </p:spPr>
+        <p:style>
+          <a:lnRef idx="1">
+            <a:schemeClr val="accent1"/>
+          </a:lnRef>
+          <a:fillRef idx="0">
+            <a:schemeClr val="accent1"/>
+          </a:fillRef>
+          <a:effectRef idx="0">
+            <a:schemeClr val="accent1"/>
+          </a:effectRef>
+          <a:fontRef idx="minor">
+            <a:schemeClr val="tx1"/>
+          </a:fontRef>
+        </p:style>
+      </p:cxnSp>
+      <p:sp>
+        <p:nvSpPr>
+          <p:cNvPr id="14" name="Rectangle 13">
+            <a:extLst>
+              <a:ext uri="{FF2B5EF4-FFF2-40B4-BE49-F238E27FC236}">
+                <a16:creationId xmlns:a16="http://schemas.microsoft.com/office/drawing/2014/main" id="{9A206779-5C74-4555-94BC-5845C92EC3A8}"/>
+              </a:ext>
+              <a:ext uri="{C183D7F6-B498-43B3-948B-1728B52AA6E4}">
+                <adec:decorative xmlns:adec="http://schemas.microsoft.com/office/drawing/2017/decorative" val="1"/>
+              </a:ext>
+            </a:extLst>
+          </p:cNvPr>
+          <p:cNvSpPr>
+            <a:spLocks noGrp="1" noRot="1" noChangeAspect="1" noMove="1" noResize="1" noEditPoints="1" noAdjustHandles="1" noChangeArrowheads="1" noChangeShapeType="1" noTextEdit="1"/>
+          </p:cNvSpPr>
+          <p:nvPr>
+            <p:extLst>
+              <p:ext uri="{386F3935-93C4-4BCD-93E2-E3B085C9AB24}">
+                <p16:designElem xmlns:p16="http://schemas.microsoft.com/office/powerpoint/2015/main" val="1"/>
+              </p:ext>
+            </p:extLst>
+          </p:nvPr>
+        </p:nvSpPr>
+        <p:spPr>
+          <a:xfrm>
+            <a:off x="11683988" y="767825"/>
+            <a:ext cx="508012" cy="5328173"/>
+          </a:xfrm>
+          <a:prstGeom prst="rect">
+            <a:avLst/>
+          </a:prstGeom>
+          <a:solidFill>
+            <a:srgbClr val="C8C8C8">
+              <a:alpha val="50000"/>
+            </a:srgbClr>
+          </a:solidFill>
+          <a:ln>
+            <a:noFill/>
+          </a:ln>
+        </p:spPr>
+        <p:style>
+          <a:lnRef idx="2">
+            <a:schemeClr val="accent1">
+              <a:shade val="50000"/>
+            </a:schemeClr>
+          </a:lnRef>
+          <a:fillRef idx="1">
+            <a:schemeClr val="accent1"/>
+          </a:fillRef>
+          <a:effectRef idx="0">
+            <a:schemeClr val="accent1"/>
+          </a:effectRef>
+          <a:fontRef idx="minor">
+            <a:schemeClr val="lt1"/>
+          </a:fontRef>
+        </p:style>
+        <p:txBody>
+          <a:bodyPr rtlCol="0" anchor="ctr"/>
+          <a:lstStyle/>
+          <a:p>
+            <a:pPr algn="ctr"/>
+            <a:endParaRPr lang="en-US"/>
+          </a:p>
+        </p:txBody>
+      </p:sp>
+      <p:pic>
+        <p:nvPicPr>
+          <p:cNvPr id="4" name="Picture 3">
+            <a:extLst>
+              <a:ext uri="{FF2B5EF4-FFF2-40B4-BE49-F238E27FC236}">
+                <a16:creationId xmlns:a16="http://schemas.microsoft.com/office/drawing/2014/main" id="{1EC76F8D-E592-4969-930A-821090DCCF0C}"/>
+              </a:ext>
+            </a:extLst>
+          </p:cNvPr>
+          <p:cNvPicPr>
+            <a:picLocks noChangeAspect="1"/>
+          </p:cNvPicPr>
+          <p:nvPr/>
+        </p:nvPicPr>
+        <p:blipFill>
+          <a:blip r:embed="rId2"/>
+          <a:stretch>
+            <a:fillRect/>
+          </a:stretch>
+        </p:blipFill>
+        <p:spPr>
+          <a:xfrm>
+            <a:off x="3121467" y="1181986"/>
+            <a:ext cx="6438734" cy="1491640"/>
+          </a:xfrm>
+          <a:prstGeom prst="rect">
+            <a:avLst/>
+          </a:prstGeom>
+        </p:spPr>
+      </p:pic>
+      <p:pic>
+        <p:nvPicPr>
+          <p:cNvPr id="5" name="Picture 4">
+            <a:extLst>
+              <a:ext uri="{FF2B5EF4-FFF2-40B4-BE49-F238E27FC236}">
+                <a16:creationId xmlns:a16="http://schemas.microsoft.com/office/drawing/2014/main" id="{F176EE01-E307-45E1-B985-57431324215D}"/>
+              </a:ext>
+            </a:extLst>
+          </p:cNvPr>
+          <p:cNvPicPr>
+            <a:picLocks noChangeAspect="1"/>
+          </p:cNvPicPr>
+          <p:nvPr/>
+        </p:nvPicPr>
+        <p:blipFill>
+          <a:blip r:embed="rId3"/>
+          <a:stretch>
+            <a:fillRect/>
+          </a:stretch>
+        </p:blipFill>
+        <p:spPr>
+          <a:xfrm>
+            <a:off x="2975393" y="3628548"/>
+            <a:ext cx="6730882" cy="1202636"/>
+          </a:xfrm>
+          <a:prstGeom prst="rect">
+            <a:avLst/>
+          </a:prstGeom>
+        </p:spPr>
+      </p:pic>
+    </p:spTree>
+    <p:extLst>
+      <p:ext uri="{BB962C8B-B14F-4D97-AF65-F5344CB8AC3E}">
+        <p14:creationId xmlns:p14="http://schemas.microsoft.com/office/powerpoint/2010/main" val="747396839"/>
+      </p:ext>
+    </p:extLst>
+  </p:cSld>
+  <p:clrMapOvr>
+    <a:masterClrMapping/>
+  </p:clrMapOvr>
+</p:sld>
+</file>
+
+<file path=ppt/slides/slide13.xml><?xml version="1.0" encoding="utf-8"?>
+<p:sld xmlns:a="http://schemas.openxmlformats.org/drawingml/2006/main" xmlns:r="http://schemas.openxmlformats.org/officeDocument/2006/relationships" xmlns:p="http://schemas.openxmlformats.org/presentationml/2006/main">
+  <p:cSld>
+    <p:spTree>
+      <p:nvGrpSpPr>
+        <p:cNvPr id="1" name=""/>
+        <p:cNvGrpSpPr/>
+        <p:nvPr/>
+      </p:nvGrpSpPr>
+      <p:grpSpPr>
+        <a:xfrm>
+          <a:off x="0" y="0"/>
+          <a:ext cx="0" cy="0"/>
+          <a:chOff x="0" y="0"/>
+          <a:chExt cx="0" cy="0"/>
+        </a:xfrm>
+      </p:grpSpPr>
+      <p:sp>
+        <p:nvSpPr>
+          <p:cNvPr id="2" name="Title 1">
+            <a:extLst>
+              <a:ext uri="{FF2B5EF4-FFF2-40B4-BE49-F238E27FC236}">
+                <a16:creationId xmlns:a16="http://schemas.microsoft.com/office/drawing/2014/main" id="{6FDE4A59-458C-41F3-A44D-970911E3D7D3}"/>
+              </a:ext>
+            </a:extLst>
+          </p:cNvPr>
+          <p:cNvSpPr>
+            <a:spLocks noGrp="1"/>
+          </p:cNvSpPr>
+          <p:nvPr>
+            <p:ph type="title"/>
+          </p:nvPr>
+        </p:nvSpPr>
+        <p:spPr/>
+        <p:txBody>
+          <a:bodyPr/>
+          <a:lstStyle/>
+          <a:p>
+            <a:r>
+              <a:rPr lang="es-ES" dirty="0"/>
+              <a:t>Ejercicio 2</a:t>
+            </a:r>
+            <a:endParaRPr lang="en-US" dirty="0"/>
+          </a:p>
+        </p:txBody>
+      </p:sp>
+      <p:sp>
+        <p:nvSpPr>
+          <p:cNvPr id="3" name="Content Placeholder 2">
+            <a:extLst>
+              <a:ext uri="{FF2B5EF4-FFF2-40B4-BE49-F238E27FC236}">
+                <a16:creationId xmlns:a16="http://schemas.microsoft.com/office/drawing/2014/main" id="{32008E8F-86C1-448F-BE25-8A1C92E5D5FA}"/>
+              </a:ext>
+            </a:extLst>
+          </p:cNvPr>
+          <p:cNvSpPr>
+            <a:spLocks noGrp="1"/>
+          </p:cNvSpPr>
+          <p:nvPr>
+            <p:ph idx="1"/>
+          </p:nvPr>
+        </p:nvSpPr>
+        <p:spPr>
+          <a:xfrm>
+            <a:off x="3892492" y="-75500"/>
+            <a:ext cx="7617203" cy="7042558"/>
+          </a:xfrm>
+        </p:spPr>
+        <p:txBody>
+          <a:bodyPr>
+            <a:normAutofit lnSpcReduction="10000"/>
+          </a:bodyPr>
+          <a:lstStyle/>
+          <a:p>
+            <a:pPr marL="0" indent="0">
+              <a:buNone/>
+            </a:pPr>
+            <a:r>
+              <a:rPr lang="en-US" dirty="0"/>
+              <a:t>• </a:t>
+            </a:r>
+            <a:r>
+              <a:rPr lang="en-US" b="1" dirty="0" err="1"/>
+              <a:t>Activos</a:t>
+            </a:r>
+            <a:r>
+              <a:rPr lang="en-US" b="1" dirty="0"/>
+              <a:t>:</a:t>
+            </a:r>
+          </a:p>
+          <a:p>
+            <a:pPr marL="502920" lvl="1" indent="0">
+              <a:buNone/>
+            </a:pPr>
+            <a:r>
+              <a:rPr lang="en-US" dirty="0"/>
+              <a:t>– </a:t>
+            </a:r>
+            <a:r>
+              <a:rPr lang="en-US" dirty="0" err="1"/>
+              <a:t>Servicio</a:t>
+            </a:r>
+            <a:r>
+              <a:rPr lang="en-US" dirty="0"/>
+              <a:t> de </a:t>
+            </a:r>
+            <a:r>
+              <a:rPr lang="en-US" dirty="0" err="1"/>
+              <a:t>transporte</a:t>
+            </a:r>
+            <a:r>
+              <a:rPr lang="en-US" dirty="0"/>
+              <a:t> (</a:t>
+            </a:r>
+            <a:r>
+              <a:rPr lang="en-US" dirty="0" err="1"/>
+              <a:t>Activo</a:t>
+            </a:r>
+            <a:r>
+              <a:rPr lang="en-US" dirty="0"/>
+              <a:t> o no </a:t>
+            </a:r>
+            <a:r>
+              <a:rPr lang="en-US" dirty="0" err="1"/>
+              <a:t>activo</a:t>
+            </a:r>
+            <a:r>
+              <a:rPr lang="en-US" dirty="0"/>
+              <a:t>).</a:t>
+            </a:r>
+          </a:p>
+          <a:p>
+            <a:pPr marL="502920" lvl="1" indent="0">
+              <a:buNone/>
+            </a:pPr>
+            <a:r>
+              <a:rPr lang="en-US" dirty="0"/>
+              <a:t>– </a:t>
+            </a:r>
+            <a:r>
+              <a:rPr lang="en-US" dirty="0" err="1"/>
+              <a:t>Cliente</a:t>
+            </a:r>
+            <a:r>
+              <a:rPr lang="en-US" dirty="0"/>
+              <a:t> (</a:t>
+            </a:r>
+            <a:r>
+              <a:rPr lang="en-US" dirty="0" err="1"/>
+              <a:t>Satisfecho</a:t>
+            </a:r>
+            <a:r>
+              <a:rPr lang="en-US" dirty="0"/>
+              <a:t> o no </a:t>
+            </a:r>
+            <a:r>
+              <a:rPr lang="en-US" dirty="0" err="1"/>
+              <a:t>satisfecho</a:t>
+            </a:r>
+            <a:r>
+              <a:rPr lang="en-US" dirty="0"/>
+              <a:t>).</a:t>
+            </a:r>
+          </a:p>
+          <a:p>
+            <a:pPr marL="502920" lvl="1" indent="0">
+              <a:buNone/>
+            </a:pPr>
+            <a:r>
+              <a:rPr lang="en-US" dirty="0"/>
+              <a:t>– Coche (</a:t>
+            </a:r>
+            <a:r>
+              <a:rPr lang="en-US" dirty="0" err="1"/>
+              <a:t>Funcional</a:t>
+            </a:r>
+            <a:r>
+              <a:rPr lang="en-US" dirty="0"/>
+              <a:t> o no </a:t>
+            </a:r>
+            <a:r>
+              <a:rPr lang="en-US" dirty="0" err="1"/>
+              <a:t>funcional</a:t>
+            </a:r>
+            <a:r>
+              <a:rPr lang="en-US" dirty="0"/>
+              <a:t>).</a:t>
+            </a:r>
+          </a:p>
+          <a:p>
+            <a:pPr marL="502920" lvl="1" indent="0">
+              <a:buNone/>
+            </a:pPr>
+            <a:r>
+              <a:rPr lang="en-US" dirty="0"/>
+              <a:t>– Data Center (</a:t>
+            </a:r>
+            <a:r>
+              <a:rPr lang="en-US" dirty="0" err="1"/>
+              <a:t>Funcional</a:t>
+            </a:r>
+            <a:r>
+              <a:rPr lang="en-US" dirty="0"/>
+              <a:t> o no </a:t>
+            </a:r>
+            <a:r>
+              <a:rPr lang="en-US" dirty="0" err="1"/>
+              <a:t>funcional</a:t>
+            </a:r>
+            <a:r>
+              <a:rPr lang="en-US" dirty="0"/>
+              <a:t>).</a:t>
+            </a:r>
+          </a:p>
+          <a:p>
+            <a:pPr marL="502920" lvl="1" indent="0">
+              <a:buNone/>
+            </a:pPr>
+            <a:r>
+              <a:rPr lang="en-US" dirty="0"/>
+              <a:t>– Base de </a:t>
+            </a:r>
+            <a:r>
+              <a:rPr lang="en-US" dirty="0" err="1"/>
+              <a:t>datos</a:t>
+            </a:r>
+            <a:r>
+              <a:rPr lang="en-US" dirty="0"/>
+              <a:t> (</a:t>
+            </a:r>
+            <a:r>
+              <a:rPr lang="en-US" dirty="0" err="1"/>
+              <a:t>Funcional</a:t>
+            </a:r>
+            <a:r>
+              <a:rPr lang="en-US" dirty="0"/>
+              <a:t> o no </a:t>
+            </a:r>
+            <a:r>
+              <a:rPr lang="en-US" dirty="0" err="1"/>
+              <a:t>funcional</a:t>
+            </a:r>
+            <a:r>
+              <a:rPr lang="en-US" dirty="0"/>
+              <a:t>).</a:t>
+            </a:r>
+          </a:p>
+          <a:p>
+            <a:pPr marL="0" indent="0">
+              <a:buNone/>
+            </a:pPr>
+            <a:r>
+              <a:rPr lang="en-US" b="1" dirty="0"/>
+              <a:t>• </a:t>
+            </a:r>
+            <a:r>
+              <a:rPr lang="en-US" b="1" dirty="0" err="1"/>
+              <a:t>Amenazas</a:t>
+            </a:r>
+            <a:r>
+              <a:rPr lang="en-US" b="1" dirty="0"/>
+              <a:t>:</a:t>
+            </a:r>
+          </a:p>
+          <a:p>
+            <a:pPr marL="502920" lvl="1" indent="0">
+              <a:buNone/>
+            </a:pPr>
+            <a:r>
+              <a:rPr lang="en-US" dirty="0"/>
+              <a:t>– </a:t>
+            </a:r>
+            <a:r>
+              <a:rPr lang="en-US" dirty="0" err="1"/>
+              <a:t>Accidente</a:t>
+            </a:r>
+            <a:r>
+              <a:rPr lang="en-US" dirty="0"/>
+              <a:t> de </a:t>
+            </a:r>
+            <a:r>
+              <a:rPr lang="en-US" dirty="0" err="1"/>
+              <a:t>tráfico</a:t>
+            </a:r>
+            <a:r>
+              <a:rPr lang="en-US" dirty="0"/>
+              <a:t> (</a:t>
+            </a:r>
+            <a:r>
+              <a:rPr lang="en-US" dirty="0" err="1"/>
+              <a:t>Probabilidad</a:t>
+            </a:r>
+            <a:r>
+              <a:rPr lang="en-US" dirty="0"/>
+              <a:t>: </a:t>
+            </a:r>
+            <a:r>
+              <a:rPr lang="en-US" dirty="0" err="1"/>
+              <a:t>si</a:t>
+            </a:r>
+            <a:r>
+              <a:rPr lang="en-US" dirty="0"/>
+              <a:t> o no).</a:t>
+            </a:r>
+          </a:p>
+          <a:p>
+            <a:pPr marL="502920" lvl="1" indent="0">
+              <a:buNone/>
+            </a:pPr>
+            <a:r>
+              <a:rPr lang="en-US" dirty="0"/>
+              <a:t>– </a:t>
+            </a:r>
+            <a:r>
+              <a:rPr lang="en-US" dirty="0" err="1"/>
+              <a:t>Incendio</a:t>
+            </a:r>
+            <a:r>
+              <a:rPr lang="en-US" dirty="0"/>
+              <a:t> (</a:t>
+            </a:r>
+            <a:r>
+              <a:rPr lang="en-US" dirty="0" err="1"/>
+              <a:t>Probabilidad</a:t>
+            </a:r>
+            <a:r>
+              <a:rPr lang="en-US" dirty="0"/>
+              <a:t>: </a:t>
+            </a:r>
+            <a:r>
+              <a:rPr lang="en-US" dirty="0" err="1"/>
+              <a:t>si</a:t>
+            </a:r>
+            <a:r>
+              <a:rPr lang="en-US" dirty="0"/>
+              <a:t> o no).</a:t>
+            </a:r>
+          </a:p>
+          <a:p>
+            <a:pPr marL="502920" lvl="1" indent="0">
+              <a:buNone/>
+            </a:pPr>
+            <a:r>
+              <a:rPr lang="en-US" dirty="0"/>
+              <a:t>– Corte de </a:t>
+            </a:r>
+            <a:r>
+              <a:rPr lang="en-US" dirty="0" err="1"/>
+              <a:t>electricidad</a:t>
+            </a:r>
+            <a:r>
+              <a:rPr lang="en-US" dirty="0"/>
+              <a:t> (</a:t>
+            </a:r>
+            <a:r>
+              <a:rPr lang="en-US" dirty="0" err="1"/>
+              <a:t>Probabilidad</a:t>
+            </a:r>
+            <a:r>
+              <a:rPr lang="en-US" dirty="0"/>
+              <a:t>: </a:t>
+            </a:r>
+            <a:r>
+              <a:rPr lang="en-US" dirty="0" err="1"/>
+              <a:t>si</a:t>
+            </a:r>
+            <a:r>
+              <a:rPr lang="en-US" dirty="0"/>
+              <a:t> o no).</a:t>
+            </a:r>
+          </a:p>
+          <a:p>
+            <a:pPr marL="0" indent="0">
+              <a:buNone/>
+            </a:pPr>
+            <a:r>
+              <a:rPr lang="en-US" dirty="0"/>
+              <a:t>• </a:t>
+            </a:r>
+            <a:r>
+              <a:rPr lang="en-US" b="1" dirty="0" err="1"/>
+              <a:t>Salvaguardas</a:t>
+            </a:r>
+            <a:r>
+              <a:rPr lang="en-US" b="1" dirty="0"/>
+              <a:t> </a:t>
+            </a:r>
+            <a:r>
+              <a:rPr lang="en-US" b="1" dirty="0" err="1"/>
+              <a:t>preventivas</a:t>
+            </a:r>
+            <a:r>
+              <a:rPr lang="en-US" b="1" dirty="0"/>
+              <a:t>:</a:t>
+            </a:r>
+          </a:p>
+          <a:p>
+            <a:pPr marL="502920" lvl="1" indent="0">
+              <a:buNone/>
+            </a:pPr>
+            <a:r>
+              <a:rPr lang="en-US" dirty="0"/>
+              <a:t>– </a:t>
+            </a:r>
+            <a:r>
+              <a:rPr lang="en-US" dirty="0" err="1"/>
+              <a:t>Cinturón</a:t>
+            </a:r>
+            <a:r>
+              <a:rPr lang="en-US" dirty="0"/>
+              <a:t> de </a:t>
+            </a:r>
+            <a:r>
+              <a:rPr lang="en-US" dirty="0" err="1"/>
+              <a:t>seguridad</a:t>
+            </a:r>
+            <a:r>
+              <a:rPr lang="en-US" dirty="0"/>
+              <a:t> (</a:t>
+            </a:r>
+            <a:r>
+              <a:rPr lang="en-US" dirty="0" err="1"/>
+              <a:t>Probabilidad</a:t>
+            </a:r>
+            <a:r>
+              <a:rPr lang="en-US" dirty="0"/>
+              <a:t>: </a:t>
+            </a:r>
+            <a:r>
+              <a:rPr lang="en-US" dirty="0" err="1"/>
+              <a:t>si</a:t>
+            </a:r>
+            <a:r>
+              <a:rPr lang="en-US" dirty="0"/>
+              <a:t> o no).</a:t>
+            </a:r>
+          </a:p>
+          <a:p>
+            <a:pPr marL="502920" lvl="1" indent="0">
+              <a:buNone/>
+            </a:pPr>
+            <a:r>
+              <a:rPr lang="en-US" dirty="0"/>
+              <a:t>– Sistema de </a:t>
+            </a:r>
+            <a:r>
+              <a:rPr lang="en-US" dirty="0" err="1"/>
+              <a:t>extinción</a:t>
+            </a:r>
+            <a:r>
+              <a:rPr lang="en-US" dirty="0"/>
+              <a:t> de </a:t>
+            </a:r>
+            <a:r>
+              <a:rPr lang="en-US" dirty="0" err="1"/>
+              <a:t>incendios</a:t>
+            </a:r>
+            <a:r>
+              <a:rPr lang="en-US" dirty="0"/>
+              <a:t> (</a:t>
+            </a:r>
+            <a:r>
+              <a:rPr lang="en-US" dirty="0" err="1"/>
+              <a:t>Probabilidad</a:t>
+            </a:r>
+            <a:r>
+              <a:rPr lang="en-US" dirty="0"/>
+              <a:t>: </a:t>
+            </a:r>
+            <a:r>
+              <a:rPr lang="en-US" dirty="0" err="1"/>
+              <a:t>si</a:t>
+            </a:r>
+            <a:r>
+              <a:rPr lang="en-US" dirty="0"/>
+              <a:t> o no).</a:t>
+            </a:r>
+          </a:p>
+          <a:p>
+            <a:pPr marL="502920" lvl="1" indent="0">
+              <a:buNone/>
+            </a:pPr>
+            <a:r>
+              <a:rPr lang="en-US" dirty="0"/>
+              <a:t>– Backup Offsite (</a:t>
+            </a:r>
+            <a:r>
+              <a:rPr lang="en-US" dirty="0" err="1"/>
+              <a:t>Probabilidad</a:t>
+            </a:r>
+            <a:r>
+              <a:rPr lang="en-US" dirty="0"/>
+              <a:t>: </a:t>
+            </a:r>
+            <a:r>
+              <a:rPr lang="en-US" dirty="0" err="1"/>
+              <a:t>si</a:t>
+            </a:r>
+            <a:r>
+              <a:rPr lang="en-US" dirty="0"/>
+              <a:t> o no).</a:t>
+            </a:r>
+          </a:p>
+          <a:p>
+            <a:pPr marL="0" indent="0">
+              <a:buNone/>
+            </a:pPr>
+            <a:r>
+              <a:rPr lang="en-US" dirty="0"/>
+              <a:t>• </a:t>
+            </a:r>
+            <a:r>
+              <a:rPr lang="en-US" b="1" dirty="0" err="1"/>
+              <a:t>Salvaguardas</a:t>
+            </a:r>
+            <a:r>
+              <a:rPr lang="en-US" b="1" dirty="0"/>
+              <a:t> </a:t>
+            </a:r>
+            <a:r>
+              <a:rPr lang="en-US" b="1" dirty="0" err="1"/>
+              <a:t>eliminatorias</a:t>
+            </a:r>
+            <a:r>
+              <a:rPr lang="en-US" b="1" dirty="0"/>
+              <a:t>:</a:t>
+            </a:r>
+          </a:p>
+          <a:p>
+            <a:pPr marL="502920" lvl="1" indent="0">
+              <a:buNone/>
+            </a:pPr>
+            <a:r>
+              <a:rPr lang="en-US" dirty="0"/>
+              <a:t>– Sistema ABS (</a:t>
+            </a:r>
+            <a:r>
+              <a:rPr lang="en-US" dirty="0" err="1"/>
+              <a:t>Probabilidad</a:t>
+            </a:r>
+            <a:r>
+              <a:rPr lang="en-US" dirty="0"/>
+              <a:t>: </a:t>
+            </a:r>
+            <a:r>
+              <a:rPr lang="en-US" dirty="0" err="1"/>
+              <a:t>si</a:t>
+            </a:r>
+            <a:r>
+              <a:rPr lang="en-US" dirty="0"/>
+              <a:t> o no).</a:t>
+            </a:r>
+          </a:p>
+          <a:p>
+            <a:pPr marL="502920" lvl="1" indent="0">
+              <a:buNone/>
+            </a:pPr>
+            <a:r>
+              <a:rPr lang="en-US" dirty="0"/>
+              <a:t>– Sistema SAI (</a:t>
+            </a:r>
+            <a:r>
+              <a:rPr lang="en-US" dirty="0" err="1"/>
+              <a:t>Probabilidad</a:t>
+            </a:r>
+            <a:r>
+              <a:rPr lang="en-US" dirty="0"/>
+              <a:t>: </a:t>
+            </a:r>
+            <a:r>
+              <a:rPr lang="en-US" dirty="0" err="1"/>
+              <a:t>si</a:t>
+            </a:r>
+            <a:r>
+              <a:rPr lang="en-US" dirty="0"/>
+              <a:t> o no).</a:t>
+            </a:r>
+          </a:p>
+          <a:p>
+            <a:pPr marL="0" indent="0">
+              <a:buNone/>
+            </a:pPr>
+            <a:r>
+              <a:rPr lang="en-US" b="1" dirty="0"/>
+              <a:t>• </a:t>
+            </a:r>
+            <a:r>
+              <a:rPr lang="en-US" b="1" dirty="0" err="1"/>
+              <a:t>Disparadores</a:t>
+            </a:r>
+            <a:r>
+              <a:rPr lang="en-US" b="1" dirty="0"/>
+              <a:t>:</a:t>
+            </a:r>
+          </a:p>
+          <a:p>
+            <a:pPr marL="502920" lvl="1" indent="0">
+              <a:buNone/>
+            </a:pPr>
+            <a:r>
+              <a:rPr lang="en-US" dirty="0"/>
+              <a:t>– </a:t>
+            </a:r>
+            <a:r>
+              <a:rPr lang="en-US" dirty="0" err="1"/>
+              <a:t>Conducción</a:t>
+            </a:r>
+            <a:r>
+              <a:rPr lang="en-US" dirty="0"/>
+              <a:t> </a:t>
+            </a:r>
+            <a:r>
+              <a:rPr lang="en-US" dirty="0" err="1"/>
+              <a:t>rápida</a:t>
+            </a:r>
+            <a:r>
+              <a:rPr lang="en-US" dirty="0"/>
+              <a:t> (</a:t>
+            </a:r>
+            <a:r>
+              <a:rPr lang="en-US" dirty="0" err="1"/>
+              <a:t>Probabilidad</a:t>
+            </a:r>
+            <a:r>
+              <a:rPr lang="en-US" dirty="0"/>
+              <a:t>: </a:t>
+            </a:r>
+            <a:r>
+              <a:rPr lang="en-US" dirty="0" err="1"/>
+              <a:t>si</a:t>
+            </a:r>
+            <a:r>
+              <a:rPr lang="en-US" dirty="0"/>
+              <a:t> o no).</a:t>
+            </a:r>
+          </a:p>
+          <a:p>
+            <a:pPr marL="502920" lvl="1" indent="0">
+              <a:buNone/>
+            </a:pPr>
+            <a:r>
+              <a:rPr lang="en-US" dirty="0"/>
+              <a:t>– </a:t>
+            </a:r>
+            <a:r>
+              <a:rPr lang="en-US" dirty="0" err="1"/>
+              <a:t>Tormenta</a:t>
+            </a:r>
+            <a:r>
+              <a:rPr lang="en-US" dirty="0"/>
+              <a:t> </a:t>
+            </a:r>
+            <a:r>
+              <a:rPr lang="en-US" dirty="0" err="1"/>
+              <a:t>eléctrica</a:t>
+            </a:r>
+            <a:r>
+              <a:rPr lang="en-US" dirty="0"/>
+              <a:t> (</a:t>
+            </a:r>
+            <a:r>
+              <a:rPr lang="en-US" dirty="0" err="1"/>
+              <a:t>Probabilidad</a:t>
+            </a:r>
+            <a:r>
+              <a:rPr lang="en-US" dirty="0"/>
+              <a:t>: </a:t>
+            </a:r>
+            <a:r>
+              <a:rPr lang="en-US" dirty="0" err="1"/>
+              <a:t>si</a:t>
+            </a:r>
+            <a:r>
+              <a:rPr lang="en-US" dirty="0"/>
+              <a:t> o no).</a:t>
+            </a:r>
+          </a:p>
+          <a:p>
+            <a:pPr marL="502920" lvl="1" indent="0">
+              <a:buNone/>
+            </a:pPr>
+            <a:r>
+              <a:rPr lang="en-US" dirty="0"/>
+              <a:t>– </a:t>
+            </a:r>
+            <a:r>
+              <a:rPr lang="en-US" dirty="0" err="1"/>
+              <a:t>Subida</a:t>
+            </a:r>
+            <a:r>
+              <a:rPr lang="en-US" dirty="0"/>
+              <a:t> de </a:t>
+            </a:r>
+            <a:r>
+              <a:rPr lang="en-US" dirty="0" err="1"/>
+              <a:t>tensión</a:t>
+            </a:r>
+            <a:r>
+              <a:rPr lang="en-US" dirty="0"/>
+              <a:t> (</a:t>
+            </a:r>
+            <a:r>
+              <a:rPr lang="en-US" dirty="0" err="1"/>
+              <a:t>Probabilidad</a:t>
+            </a:r>
+            <a:r>
+              <a:rPr lang="en-US" dirty="0"/>
+              <a:t>: </a:t>
+            </a:r>
+            <a:r>
+              <a:rPr lang="en-US" dirty="0" err="1"/>
+              <a:t>si</a:t>
+            </a:r>
+            <a:r>
+              <a:rPr lang="en-US" dirty="0"/>
+              <a:t> o no).</a:t>
+            </a:r>
+          </a:p>
+        </p:txBody>
+      </p:sp>
+    </p:spTree>
+    <p:extLst>
+      <p:ext uri="{BB962C8B-B14F-4D97-AF65-F5344CB8AC3E}">
+        <p14:creationId xmlns:p14="http://schemas.microsoft.com/office/powerpoint/2010/main" val="4169485318"/>
+      </p:ext>
+    </p:extLst>
+  </p:cSld>
+  <p:clrMapOvr>
+    <a:masterClrMapping/>
+  </p:clrMapOvr>
+</p:sld>
+</file>
+
+<file path=ppt/slides/slide14.xml><?xml version="1.0" encoding="utf-8"?>
+<p:sld xmlns:a="http://schemas.openxmlformats.org/drawingml/2006/main" xmlns:r="http://schemas.openxmlformats.org/officeDocument/2006/relationships" xmlns:p="http://schemas.openxmlformats.org/presentationml/2006/main">
+  <p:cSld>
+    <p:bg>
+      <p:bgPr>
+        <a:solidFill>
+          <a:schemeClr val="bg1"/>
+        </a:solidFill>
+        <a:effectLst/>
+      </p:bgPr>
+    </p:bg>
+    <p:spTree>
+      <p:nvGrpSpPr>
+        <p:cNvPr id="1" name=""/>
+        <p:cNvGrpSpPr/>
+        <p:nvPr/>
+      </p:nvGrpSpPr>
+      <p:grpSpPr>
+        <a:xfrm>
+          <a:off x="0" y="0"/>
+          <a:ext cx="0" cy="0"/>
+          <a:chOff x="0" y="0"/>
+          <a:chExt cx="0" cy="0"/>
+        </a:xfrm>
+      </p:grpSpPr>
+      <p:sp>
+        <p:nvSpPr>
+          <p:cNvPr id="2" name="Title 1">
+            <a:extLst>
+              <a:ext uri="{FF2B5EF4-FFF2-40B4-BE49-F238E27FC236}">
+                <a16:creationId xmlns:a16="http://schemas.microsoft.com/office/drawing/2014/main" id="{B2A03AEA-2630-4764-9554-675B59740652}"/>
+              </a:ext>
+            </a:extLst>
+          </p:cNvPr>
+          <p:cNvSpPr>
+            <a:spLocks noGrp="1"/>
+          </p:cNvSpPr>
+          <p:nvPr>
+            <p:ph type="title"/>
+          </p:nvPr>
+        </p:nvSpPr>
+        <p:spPr>
+          <a:xfrm>
+            <a:off x="252919" y="1123837"/>
+            <a:ext cx="2947482" cy="1283461"/>
+          </a:xfrm>
+        </p:spPr>
+        <p:txBody>
+          <a:bodyPr anchor="b">
+            <a:normAutofit/>
+          </a:bodyPr>
+          <a:lstStyle/>
+          <a:p>
+            <a:pPr algn="ctr"/>
+            <a:r>
+              <a:rPr lang="es-ES" sz="3200" b="1" dirty="0"/>
+              <a:t>Red bayesiana</a:t>
+            </a:r>
+            <a:endParaRPr lang="en-US" sz="3200" b="1" dirty="0"/>
+          </a:p>
+        </p:txBody>
+      </p:sp>
+      <p:sp>
+        <p:nvSpPr>
+          <p:cNvPr id="9" name="Content Placeholder 8">
+            <a:extLst>
+              <a:ext uri="{FF2B5EF4-FFF2-40B4-BE49-F238E27FC236}">
+                <a16:creationId xmlns:a16="http://schemas.microsoft.com/office/drawing/2014/main" id="{006E0FE1-22D0-47E2-93DC-0FC63D04A298}"/>
+              </a:ext>
+            </a:extLst>
+          </p:cNvPr>
+          <p:cNvSpPr>
+            <a:spLocks noGrp="1"/>
+          </p:cNvSpPr>
+          <p:nvPr>
+            <p:ph idx="1"/>
+          </p:nvPr>
+        </p:nvSpPr>
+        <p:spPr>
+          <a:xfrm>
+            <a:off x="252920" y="2407298"/>
+            <a:ext cx="2947482" cy="3498980"/>
+          </a:xfrm>
+        </p:spPr>
+        <p:txBody>
+          <a:bodyPr anchor="t">
+            <a:normAutofit/>
+          </a:bodyPr>
+          <a:lstStyle/>
+          <a:p>
+            <a:endParaRPr lang="en-US" sz="1600">
+              <a:solidFill>
+                <a:schemeClr val="bg1"/>
+              </a:solidFill>
+            </a:endParaRPr>
+          </a:p>
+        </p:txBody>
+      </p:sp>
+      <p:pic>
+        <p:nvPicPr>
+          <p:cNvPr id="7" name="Content Placeholder 3">
+            <a:extLst>
+              <a:ext uri="{FF2B5EF4-FFF2-40B4-BE49-F238E27FC236}">
+                <a16:creationId xmlns:a16="http://schemas.microsoft.com/office/drawing/2014/main" id="{66E42504-B0A1-48EF-A918-DB381DF6AEA5}"/>
+              </a:ext>
+            </a:extLst>
+          </p:cNvPr>
+          <p:cNvPicPr>
+            <a:picLocks noChangeAspect="1"/>
+          </p:cNvPicPr>
+          <p:nvPr/>
+        </p:nvPicPr>
+        <p:blipFill rotWithShape="1">
+          <a:blip r:embed="rId2"/>
+          <a:srcRect t="1857" b="1879"/>
+          <a:stretch/>
+        </p:blipFill>
+        <p:spPr>
+          <a:xfrm>
+            <a:off x="3778897" y="758952"/>
+            <a:ext cx="7772401" cy="5330952"/>
+          </a:xfrm>
+          <a:prstGeom prst="rect">
+            <a:avLst/>
+          </a:prstGeom>
+        </p:spPr>
+      </p:pic>
+    </p:spTree>
+    <p:extLst>
+      <p:ext uri="{BB962C8B-B14F-4D97-AF65-F5344CB8AC3E}">
+        <p14:creationId xmlns:p14="http://schemas.microsoft.com/office/powerpoint/2010/main" val="3761519217"/>
+      </p:ext>
+    </p:extLst>
+  </p:cSld>
+  <p:clrMapOvr>
+    <a:masterClrMapping/>
+  </p:clrMapOvr>
+</p:sld>
+</file>
+
+<file path=ppt/slides/slide15.xml><?xml version="1.0" encoding="utf-8"?>
+<p:sld xmlns:a="http://schemas.openxmlformats.org/drawingml/2006/main" xmlns:r="http://schemas.openxmlformats.org/officeDocument/2006/relationships" xmlns:p="http://schemas.openxmlformats.org/presentationml/2006/main">
+  <p:cSld>
+    <p:bg>
+      <p:bgPr>
+        <a:solidFill>
+          <a:schemeClr val="bg1"/>
+        </a:solidFill>
+        <a:effectLst/>
+      </p:bgPr>
+    </p:bg>
+    <p:spTree>
+      <p:nvGrpSpPr>
+        <p:cNvPr id="1" name=""/>
+        <p:cNvGrpSpPr/>
+        <p:nvPr/>
+      </p:nvGrpSpPr>
+      <p:grpSpPr>
+        <a:xfrm>
+          <a:off x="0" y="0"/>
+          <a:ext cx="0" cy="0"/>
+          <a:chOff x="0" y="0"/>
+          <a:chExt cx="0" cy="0"/>
+        </a:xfrm>
+      </p:grpSpPr>
+      <p:sp>
+        <p:nvSpPr>
+          <p:cNvPr id="10" name="Rectangle 9">
+            <a:extLst>
+              <a:ext uri="{FF2B5EF4-FFF2-40B4-BE49-F238E27FC236}">
+                <a16:creationId xmlns:a16="http://schemas.microsoft.com/office/drawing/2014/main" id="{17115F77-2FAE-4CA7-9A7F-10D5F2C8F831}"/>
+              </a:ext>
+              <a:ext uri="{C183D7F6-B498-43B3-948B-1728B52AA6E4}">
+                <adec:decorative xmlns:adec="http://schemas.microsoft.com/office/drawing/2017/decorative" val="1"/>
+              </a:ext>
+            </a:extLst>
+          </p:cNvPr>
+          <p:cNvSpPr>
+            <a:spLocks noGrp="1" noRot="1" noChangeAspect="1" noMove="1" noResize="1" noEditPoints="1" noAdjustHandles="1" noChangeArrowheads="1" noChangeShapeType="1" noTextEdit="1"/>
+          </p:cNvSpPr>
+          <p:nvPr>
+            <p:extLst>
+              <p:ext uri="{386F3935-93C4-4BCD-93E2-E3B085C9AB24}">
+                <p16:designElem xmlns:p16="http://schemas.microsoft.com/office/powerpoint/2015/main" val="1"/>
+              </p:ext>
+            </p:extLst>
+          </p:nvPr>
+        </p:nvSpPr>
+        <p:spPr>
+          <a:xfrm>
+            <a:off x="0" y="761999"/>
+            <a:ext cx="9141619" cy="5334001"/>
+          </a:xfrm>
+          <a:prstGeom prst="rect">
+            <a:avLst/>
+          </a:prstGeom>
+          <a:solidFill>
+            <a:schemeClr val="accent1"/>
+          </a:solidFill>
+          <a:ln>
+            <a:noFill/>
+          </a:ln>
+        </p:spPr>
+        <p:style>
+          <a:lnRef idx="2">
+            <a:schemeClr val="accent1">
+              <a:shade val="50000"/>
+            </a:schemeClr>
+          </a:lnRef>
+          <a:fillRef idx="1">
+            <a:schemeClr val="accent1"/>
+          </a:fillRef>
+          <a:effectRef idx="0">
+            <a:schemeClr val="accent1"/>
+          </a:effectRef>
+          <a:fontRef idx="minor">
+            <a:schemeClr val="lt1"/>
+          </a:fontRef>
+        </p:style>
+      </p:sp>
+      <p:sp>
+        <p:nvSpPr>
+          <p:cNvPr id="12" name="Rectangle 11">
+            <a:extLst>
+              <a:ext uri="{FF2B5EF4-FFF2-40B4-BE49-F238E27FC236}">
+                <a16:creationId xmlns:a16="http://schemas.microsoft.com/office/drawing/2014/main" id="{5CD4C046-A04C-46CC-AFA3-6B0621F628C8}"/>
+              </a:ext>
+              <a:ext uri="{C183D7F6-B498-43B3-948B-1728B52AA6E4}">
+                <adec:decorative xmlns:adec="http://schemas.microsoft.com/office/drawing/2017/decorative" val="1"/>
+              </a:ext>
+            </a:extLst>
+          </p:cNvPr>
+          <p:cNvSpPr>
+            <a:spLocks noGrp="1" noRot="1" noChangeAspect="1" noMove="1" noResize="1" noEditPoints="1" noAdjustHandles="1" noChangeArrowheads="1" noChangeShapeType="1" noTextEdit="1"/>
+          </p:cNvSpPr>
+          <p:nvPr>
+            <p:extLst>
+              <p:ext uri="{386F3935-93C4-4BCD-93E2-E3B085C9AB24}">
+                <p16:designElem xmlns:p16="http://schemas.microsoft.com/office/powerpoint/2015/main" val="1"/>
+              </p:ext>
+            </p:extLst>
+          </p:nvPr>
+        </p:nvSpPr>
+        <p:spPr>
+          <a:xfrm>
+            <a:off x="9270263" y="761999"/>
+            <a:ext cx="2925318" cy="5334001"/>
+          </a:xfrm>
+          <a:prstGeom prst="rect">
+            <a:avLst/>
+          </a:prstGeom>
+          <a:solidFill>
+            <a:srgbClr val="C8C8C8">
+              <a:alpha val="49804"/>
+            </a:srgbClr>
+          </a:solidFill>
+          <a:ln>
+            <a:noFill/>
+          </a:ln>
+        </p:spPr>
+        <p:style>
+          <a:lnRef idx="2">
+            <a:schemeClr val="accent1">
+              <a:shade val="50000"/>
+            </a:schemeClr>
+          </a:lnRef>
+          <a:fillRef idx="1">
+            <a:schemeClr val="accent1"/>
+          </a:fillRef>
+          <a:effectRef idx="0">
+            <a:schemeClr val="accent1"/>
+          </a:effectRef>
+          <a:fontRef idx="minor">
+            <a:schemeClr val="lt1"/>
+          </a:fontRef>
+        </p:style>
+      </p:sp>
+      <p:sp useBgFill="1">
+        <p:nvSpPr>
+          <p:cNvPr id="14" name="Rectangle 13">
+            <a:extLst>
+              <a:ext uri="{FF2B5EF4-FFF2-40B4-BE49-F238E27FC236}">
+                <a16:creationId xmlns:a16="http://schemas.microsoft.com/office/drawing/2014/main" id="{A5A2BA67-BF68-4F48-BAA9-1091D4FED1F8}"/>
+              </a:ext>
+              <a:ext uri="{C183D7F6-B498-43B3-948B-1728B52AA6E4}">
+                <adec:decorative xmlns:adec="http://schemas.microsoft.com/office/drawing/2017/decorative" val="1"/>
+              </a:ext>
+            </a:extLst>
+          </p:cNvPr>
+          <p:cNvSpPr>
+            <a:spLocks noGrp="1" noRot="1" noChangeAspect="1" noMove="1" noResize="1" noEditPoints="1" noAdjustHandles="1" noChangeArrowheads="1" noChangeShapeType="1" noTextEdit="1"/>
+          </p:cNvSpPr>
+          <p:nvPr>
+            <p:extLst>
+              <p:ext uri="{386F3935-93C4-4BCD-93E2-E3B085C9AB24}">
+                <p16:designElem xmlns:p16="http://schemas.microsoft.com/office/powerpoint/2015/main" val="1"/>
+              </p:ext>
+            </p:extLst>
+          </p:nvPr>
+        </p:nvSpPr>
+        <p:spPr>
+          <a:xfrm>
+            <a:off x="0" y="0"/>
+            <a:ext cx="12191999" cy="6858000"/>
+          </a:xfrm>
+          <a:prstGeom prst="rect">
+            <a:avLst/>
+          </a:prstGeom>
+          <a:ln>
+            <a:noFill/>
+          </a:ln>
+        </p:spPr>
+        <p:style>
+          <a:lnRef idx="2">
+            <a:schemeClr val="accent1">
+              <a:shade val="50000"/>
+            </a:schemeClr>
+          </a:lnRef>
+          <a:fillRef idx="1">
+            <a:schemeClr val="accent1"/>
+          </a:fillRef>
+          <a:effectRef idx="0">
+            <a:schemeClr val="accent1"/>
+          </a:effectRef>
+          <a:fontRef idx="minor">
+            <a:schemeClr val="lt1"/>
+          </a:fontRef>
+        </p:style>
+        <p:txBody>
+          <a:bodyPr rtlCol="0" anchor="ctr"/>
+          <a:lstStyle/>
+          <a:p>
+            <a:pPr algn="ctr"/>
+            <a:endParaRPr lang="en-US"/>
+          </a:p>
+        </p:txBody>
+      </p:sp>
+      <p:sp>
+        <p:nvSpPr>
+          <p:cNvPr id="16" name="Rectangle 15">
+            <a:extLst>
+              <a:ext uri="{FF2B5EF4-FFF2-40B4-BE49-F238E27FC236}">
+                <a16:creationId xmlns:a16="http://schemas.microsoft.com/office/drawing/2014/main" id="{E4190DBD-4A62-4416-ACB7-ACEC1DE3024B}"/>
+              </a:ext>
+              <a:ext uri="{C183D7F6-B498-43B3-948B-1728B52AA6E4}">
+                <adec:decorative xmlns:adec="http://schemas.microsoft.com/office/drawing/2017/decorative" val="1"/>
+              </a:ext>
+            </a:extLst>
+          </p:cNvPr>
+          <p:cNvSpPr>
+            <a:spLocks noGrp="1" noRot="1" noChangeAspect="1" noMove="1" noResize="1" noEditPoints="1" noAdjustHandles="1" noChangeArrowheads="1" noChangeShapeType="1" noTextEdit="1"/>
+          </p:cNvSpPr>
+          <p:nvPr>
+            <p:extLst>
+              <p:ext uri="{386F3935-93C4-4BCD-93E2-E3B085C9AB24}">
+                <p16:designElem xmlns:p16="http://schemas.microsoft.com/office/powerpoint/2015/main" val="1"/>
+              </p:ext>
+            </p:extLst>
+          </p:nvPr>
+        </p:nvSpPr>
+        <p:spPr>
+          <a:xfrm>
+            <a:off x="0" y="761999"/>
+            <a:ext cx="6092889" cy="5334001"/>
+          </a:xfrm>
+          <a:prstGeom prst="rect">
+            <a:avLst/>
+          </a:prstGeom>
+          <a:solidFill>
+            <a:schemeClr val="accent1"/>
+          </a:solidFill>
+          <a:ln>
+            <a:noFill/>
+          </a:ln>
+        </p:spPr>
+        <p:style>
+          <a:lnRef idx="2">
+            <a:schemeClr val="accent1">
+              <a:shade val="50000"/>
+            </a:schemeClr>
+          </a:lnRef>
+          <a:fillRef idx="1">
+            <a:schemeClr val="accent1"/>
+          </a:fillRef>
+          <a:effectRef idx="0">
+            <a:schemeClr val="accent1"/>
+          </a:effectRef>
+          <a:fontRef idx="minor">
+            <a:schemeClr val="lt1"/>
+          </a:fontRef>
+        </p:style>
+      </p:sp>
+      <p:sp>
+        <p:nvSpPr>
+          <p:cNvPr id="2" name="Title 1">
+            <a:extLst>
+              <a:ext uri="{FF2B5EF4-FFF2-40B4-BE49-F238E27FC236}">
+                <a16:creationId xmlns:a16="http://schemas.microsoft.com/office/drawing/2014/main" id="{FDD60A7F-182C-4D06-BD3E-D7F4404724EC}"/>
+              </a:ext>
+            </a:extLst>
+          </p:cNvPr>
+          <p:cNvSpPr>
+            <a:spLocks noGrp="1"/>
+          </p:cNvSpPr>
+          <p:nvPr>
+            <p:ph type="title"/>
+          </p:nvPr>
+        </p:nvSpPr>
+        <p:spPr>
+          <a:xfrm>
+            <a:off x="0" y="606288"/>
+            <a:ext cx="6092889" cy="4125104"/>
+          </a:xfrm>
+        </p:spPr>
+        <p:txBody>
+          <a:bodyPr vert="horz" lIns="91440" tIns="45720" rIns="91440" bIns="45720" rtlCol="0" anchor="b">
+            <a:normAutofit/>
+          </a:bodyPr>
+          <a:lstStyle/>
+          <a:p>
+            <a:r>
+              <a:rPr lang="en-US" sz="4000" spc="-100" dirty="0"/>
+              <a:t>Las </a:t>
+            </a:r>
+            <a:r>
+              <a:rPr lang="en-US" sz="4000" spc="-100" dirty="0" err="1"/>
+              <a:t>probabilidades</a:t>
+            </a:r>
+            <a:r>
+              <a:rPr lang="en-US" sz="4000" spc="-100" dirty="0"/>
+              <a:t> de </a:t>
+            </a:r>
+            <a:r>
+              <a:rPr lang="en-US" sz="4000" spc="-100" dirty="0" err="1"/>
+              <a:t>daño</a:t>
+            </a:r>
+            <a:r>
+              <a:rPr lang="en-US" sz="4000" spc="-100" dirty="0"/>
+              <a:t> </a:t>
+            </a:r>
+            <a:r>
+              <a:rPr lang="en-US" sz="4000" spc="-100" dirty="0" err="1"/>
+              <a:t>sobre</a:t>
+            </a:r>
+            <a:r>
+              <a:rPr lang="en-US" sz="4000" spc="-100" dirty="0"/>
+              <a:t> </a:t>
+            </a:r>
+            <a:r>
+              <a:rPr lang="en-US" sz="4000" spc="-100" dirty="0" err="1"/>
+              <a:t>cada</a:t>
+            </a:r>
+            <a:r>
+              <a:rPr lang="en-US" sz="4000" spc="-100" dirty="0"/>
+              <a:t> </a:t>
+            </a:r>
+            <a:r>
+              <a:rPr lang="en-US" sz="4000" spc="-100" dirty="0" err="1"/>
+              <a:t>uno</a:t>
+            </a:r>
+            <a:r>
+              <a:rPr lang="en-US" sz="4000" spc="-100" dirty="0"/>
+              <a:t> de los </a:t>
+            </a:r>
+            <a:r>
+              <a:rPr lang="en-US" sz="4000" spc="-100" dirty="0" err="1"/>
+              <a:t>activos</a:t>
+            </a:r>
+            <a:r>
+              <a:rPr lang="en-US" sz="4000" spc="-100" dirty="0"/>
+              <a:t> del </a:t>
+            </a:r>
+            <a:r>
+              <a:rPr lang="en-US" sz="4000" spc="-100" dirty="0" err="1"/>
+              <a:t>sistema</a:t>
+            </a:r>
+            <a:r>
+              <a:rPr lang="en-US" sz="4000" spc="-100" dirty="0"/>
+              <a:t> </a:t>
+            </a:r>
+            <a:r>
+              <a:rPr lang="en-US" sz="4000" spc="-100" dirty="0" err="1"/>
+              <a:t>asumiendo</a:t>
+            </a:r>
+            <a:r>
+              <a:rPr lang="en-US" sz="4000" spc="-100" dirty="0"/>
+              <a:t> que no </a:t>
+            </a:r>
+            <a:r>
+              <a:rPr lang="en-US" sz="4000" spc="-100" dirty="0" err="1"/>
+              <a:t>hemos</a:t>
+            </a:r>
+            <a:r>
+              <a:rPr lang="en-US" sz="4000" spc="-100" dirty="0"/>
+              <a:t> </a:t>
+            </a:r>
+            <a:r>
+              <a:rPr lang="en-US" sz="4000" spc="-100" dirty="0" err="1"/>
+              <a:t>implementado</a:t>
+            </a:r>
+            <a:r>
+              <a:rPr lang="en-US" sz="4000" spc="-100" dirty="0"/>
+              <a:t> </a:t>
+            </a:r>
+            <a:r>
+              <a:rPr lang="en-US" sz="4000" spc="-100" dirty="0" err="1"/>
+              <a:t>ninguna</a:t>
+            </a:r>
+            <a:r>
+              <a:rPr lang="en-US" sz="4000" spc="-100" dirty="0"/>
+              <a:t> </a:t>
+            </a:r>
+            <a:r>
+              <a:rPr lang="en-US" sz="4000" spc="-100" dirty="0" err="1"/>
+              <a:t>salvaguarda</a:t>
+            </a:r>
+            <a:r>
+              <a:rPr lang="en-US" sz="4000" spc="-100" dirty="0"/>
+              <a:t>.</a:t>
+            </a:r>
+          </a:p>
+        </p:txBody>
+      </p:sp>
+      <p:pic>
+        <p:nvPicPr>
+          <p:cNvPr id="7" name="Content Placeholder 3">
+            <a:extLst>
+              <a:ext uri="{FF2B5EF4-FFF2-40B4-BE49-F238E27FC236}">
+                <a16:creationId xmlns:a16="http://schemas.microsoft.com/office/drawing/2014/main" id="{DFF2DA76-D338-4FCC-A148-6F7836BE5D99}"/>
+              </a:ext>
+            </a:extLst>
+          </p:cNvPr>
+          <p:cNvPicPr>
+            <a:picLocks noGrp="1" noChangeAspect="1"/>
+          </p:cNvPicPr>
+          <p:nvPr>
+            <p:ph idx="1"/>
+          </p:nvPr>
+        </p:nvPicPr>
+        <p:blipFill rotWithShape="1">
+          <a:blip r:embed="rId2"/>
+          <a:srcRect l="35" t="-1710" r="-37" b="198"/>
+          <a:stretch/>
+        </p:blipFill>
+        <p:spPr>
+          <a:xfrm>
+            <a:off x="7755130" y="93483"/>
+            <a:ext cx="2723611" cy="6661889"/>
+          </a:xfrm>
+          <a:prstGeom prst="rect">
+            <a:avLst/>
+          </a:prstGeom>
+        </p:spPr>
+      </p:pic>
+      <p:sp>
+        <p:nvSpPr>
+          <p:cNvPr id="18" name="Rectangle 17">
+            <a:extLst>
+              <a:ext uri="{FF2B5EF4-FFF2-40B4-BE49-F238E27FC236}">
+                <a16:creationId xmlns:a16="http://schemas.microsoft.com/office/drawing/2014/main" id="{DBF12D6D-FE37-445A-BF16-6DA1A659A4D7}"/>
+              </a:ext>
+              <a:ext uri="{C183D7F6-B498-43B3-948B-1728B52AA6E4}">
+                <adec:decorative xmlns:adec="http://schemas.microsoft.com/office/drawing/2017/decorative" val="1"/>
+              </a:ext>
+            </a:extLst>
+          </p:cNvPr>
+          <p:cNvSpPr>
+            <a:spLocks noGrp="1" noRot="1" noChangeAspect="1" noMove="1" noResize="1" noEditPoints="1" noAdjustHandles="1" noChangeArrowheads="1" noChangeShapeType="1" noTextEdit="1"/>
+          </p:cNvSpPr>
+          <p:nvPr>
+            <p:extLst>
+              <p:ext uri="{386F3935-93C4-4BCD-93E2-E3B085C9AB24}">
+                <p16:designElem xmlns:p16="http://schemas.microsoft.com/office/powerpoint/2015/main" val="1"/>
+              </p:ext>
+            </p:extLst>
+          </p:nvPr>
+        </p:nvSpPr>
+        <p:spPr>
+          <a:xfrm>
+            <a:off x="11815864" y="758952"/>
+            <a:ext cx="384048" cy="5330952"/>
+          </a:xfrm>
+          <a:prstGeom prst="rect">
+            <a:avLst/>
+          </a:prstGeom>
+          <a:solidFill>
+            <a:srgbClr val="C8C8C8">
+              <a:alpha val="49804"/>
+            </a:srgbClr>
+          </a:solidFill>
+          <a:ln>
+            <a:noFill/>
+          </a:ln>
+        </p:spPr>
+        <p:style>
+          <a:lnRef idx="2">
+            <a:schemeClr val="accent1">
+              <a:shade val="50000"/>
+            </a:schemeClr>
+          </a:lnRef>
+          <a:fillRef idx="1">
+            <a:schemeClr val="accent1"/>
+          </a:fillRef>
+          <a:effectRef idx="0">
+            <a:schemeClr val="accent1"/>
+          </a:effectRef>
+          <a:fontRef idx="minor">
+            <a:schemeClr val="lt1"/>
+          </a:fontRef>
+        </p:style>
+      </p:sp>
+    </p:spTree>
+    <p:extLst>
+      <p:ext uri="{BB962C8B-B14F-4D97-AF65-F5344CB8AC3E}">
+        <p14:creationId xmlns:p14="http://schemas.microsoft.com/office/powerpoint/2010/main" val="608103763"/>
+      </p:ext>
+    </p:extLst>
+  </p:cSld>
+  <p:clrMapOvr>
+    <a:masterClrMapping/>
+  </p:clrMapOvr>
+</p:sld>
+</file>
+
+<file path=ppt/slides/slide16.xml><?xml version="1.0" encoding="utf-8"?>
+<p:sld xmlns:a="http://schemas.openxmlformats.org/drawingml/2006/main" xmlns:r="http://schemas.openxmlformats.org/officeDocument/2006/relationships" xmlns:p="http://schemas.openxmlformats.org/presentationml/2006/main">
+  <p:cSld>
+    <p:bg>
+      <p:bgPr>
+        <a:solidFill>
+          <a:schemeClr val="bg1"/>
+        </a:solidFill>
+        <a:effectLst/>
+      </p:bgPr>
+    </p:bg>
+    <p:spTree>
+      <p:nvGrpSpPr>
+        <p:cNvPr id="1" name=""/>
+        <p:cNvGrpSpPr/>
+        <p:nvPr/>
+      </p:nvGrpSpPr>
+      <p:grpSpPr>
+        <a:xfrm>
+          <a:off x="0" y="0"/>
+          <a:ext cx="0" cy="0"/>
+          <a:chOff x="0" y="0"/>
+          <a:chExt cx="0" cy="0"/>
+        </a:xfrm>
+      </p:grpSpPr>
+      <p:sp>
+        <p:nvSpPr>
+          <p:cNvPr id="10" name="Rectangle 9">
+            <a:extLst>
+              <a:ext uri="{FF2B5EF4-FFF2-40B4-BE49-F238E27FC236}">
+                <a16:creationId xmlns:a16="http://schemas.microsoft.com/office/drawing/2014/main" id="{17115F77-2FAE-4CA7-9A7F-10D5F2C8F831}"/>
+              </a:ext>
+              <a:ext uri="{C183D7F6-B498-43B3-948B-1728B52AA6E4}">
+                <adec:decorative xmlns:adec="http://schemas.microsoft.com/office/drawing/2017/decorative" val="1"/>
+              </a:ext>
+            </a:extLst>
+          </p:cNvPr>
+          <p:cNvSpPr>
+            <a:spLocks noGrp="1" noRot="1" noChangeAspect="1" noMove="1" noResize="1" noEditPoints="1" noAdjustHandles="1" noChangeArrowheads="1" noChangeShapeType="1" noTextEdit="1"/>
+          </p:cNvSpPr>
+          <p:nvPr>
+            <p:extLst>
+              <p:ext uri="{386F3935-93C4-4BCD-93E2-E3B085C9AB24}">
+                <p16:designElem xmlns:p16="http://schemas.microsoft.com/office/powerpoint/2015/main" val="1"/>
+              </p:ext>
+            </p:extLst>
+          </p:nvPr>
+        </p:nvSpPr>
+        <p:spPr>
+          <a:xfrm>
+            <a:off x="0" y="761999"/>
+            <a:ext cx="9141619" cy="5334001"/>
+          </a:xfrm>
+          <a:prstGeom prst="rect">
+            <a:avLst/>
+          </a:prstGeom>
+          <a:solidFill>
+            <a:schemeClr val="accent1"/>
+          </a:solidFill>
+          <a:ln>
+            <a:noFill/>
+          </a:ln>
+        </p:spPr>
+        <p:style>
+          <a:lnRef idx="2">
+            <a:schemeClr val="accent1">
+              <a:shade val="50000"/>
+            </a:schemeClr>
+          </a:lnRef>
+          <a:fillRef idx="1">
+            <a:schemeClr val="accent1"/>
+          </a:fillRef>
+          <a:effectRef idx="0">
+            <a:schemeClr val="accent1"/>
+          </a:effectRef>
+          <a:fontRef idx="minor">
+            <a:schemeClr val="lt1"/>
+          </a:fontRef>
+        </p:style>
+      </p:sp>
+      <p:sp>
+        <p:nvSpPr>
+          <p:cNvPr id="12" name="Rectangle 11">
+            <a:extLst>
+              <a:ext uri="{FF2B5EF4-FFF2-40B4-BE49-F238E27FC236}">
+                <a16:creationId xmlns:a16="http://schemas.microsoft.com/office/drawing/2014/main" id="{5CD4C046-A04C-46CC-AFA3-6B0621F628C8}"/>
+              </a:ext>
+              <a:ext uri="{C183D7F6-B498-43B3-948B-1728B52AA6E4}">
+                <adec:decorative xmlns:adec="http://schemas.microsoft.com/office/drawing/2017/decorative" val="1"/>
+              </a:ext>
+            </a:extLst>
+          </p:cNvPr>
+          <p:cNvSpPr>
+            <a:spLocks noGrp="1" noRot="1" noChangeAspect="1" noMove="1" noResize="1" noEditPoints="1" noAdjustHandles="1" noChangeArrowheads="1" noChangeShapeType="1" noTextEdit="1"/>
+          </p:cNvSpPr>
+          <p:nvPr>
+            <p:extLst>
+              <p:ext uri="{386F3935-93C4-4BCD-93E2-E3B085C9AB24}">
+                <p16:designElem xmlns:p16="http://schemas.microsoft.com/office/powerpoint/2015/main" val="1"/>
+              </p:ext>
+            </p:extLst>
+          </p:nvPr>
+        </p:nvSpPr>
+        <p:spPr>
+          <a:xfrm>
+            <a:off x="9270263" y="761999"/>
+            <a:ext cx="2925318" cy="5334001"/>
+          </a:xfrm>
+          <a:prstGeom prst="rect">
+            <a:avLst/>
+          </a:prstGeom>
+          <a:solidFill>
+            <a:srgbClr val="C8C8C8">
+              <a:alpha val="49804"/>
+            </a:srgbClr>
+          </a:solidFill>
+          <a:ln>
+            <a:noFill/>
+          </a:ln>
+        </p:spPr>
+        <p:style>
+          <a:lnRef idx="2">
+            <a:schemeClr val="accent1">
+              <a:shade val="50000"/>
+            </a:schemeClr>
+          </a:lnRef>
+          <a:fillRef idx="1">
+            <a:schemeClr val="accent1"/>
+          </a:fillRef>
+          <a:effectRef idx="0">
+            <a:schemeClr val="accent1"/>
+          </a:effectRef>
+          <a:fontRef idx="minor">
+            <a:schemeClr val="lt1"/>
+          </a:fontRef>
+        </p:style>
+      </p:sp>
+      <p:sp useBgFill="1">
+        <p:nvSpPr>
+          <p:cNvPr id="14" name="Rectangle 13">
+            <a:extLst>
+              <a:ext uri="{FF2B5EF4-FFF2-40B4-BE49-F238E27FC236}">
+                <a16:creationId xmlns:a16="http://schemas.microsoft.com/office/drawing/2014/main" id="{A5A2BA67-BF68-4F48-BAA9-1091D4FED1F8}"/>
+              </a:ext>
+              <a:ext uri="{C183D7F6-B498-43B3-948B-1728B52AA6E4}">
+                <adec:decorative xmlns:adec="http://schemas.microsoft.com/office/drawing/2017/decorative" val="1"/>
+              </a:ext>
+            </a:extLst>
+          </p:cNvPr>
+          <p:cNvSpPr>
+            <a:spLocks noGrp="1" noRot="1" noChangeAspect="1" noMove="1" noResize="1" noEditPoints="1" noAdjustHandles="1" noChangeArrowheads="1" noChangeShapeType="1" noTextEdit="1"/>
+          </p:cNvSpPr>
+          <p:nvPr>
+            <p:extLst>
+              <p:ext uri="{386F3935-93C4-4BCD-93E2-E3B085C9AB24}">
+                <p16:designElem xmlns:p16="http://schemas.microsoft.com/office/powerpoint/2015/main" val="1"/>
+              </p:ext>
+            </p:extLst>
+          </p:nvPr>
+        </p:nvSpPr>
+        <p:spPr>
+          <a:xfrm>
+            <a:off x="0" y="0"/>
+            <a:ext cx="12191999" cy="6858000"/>
+          </a:xfrm>
+          <a:prstGeom prst="rect">
+            <a:avLst/>
+          </a:prstGeom>
+          <a:ln>
+            <a:noFill/>
+          </a:ln>
+        </p:spPr>
+        <p:style>
+          <a:lnRef idx="2">
+            <a:schemeClr val="accent1">
+              <a:shade val="50000"/>
+            </a:schemeClr>
+          </a:lnRef>
+          <a:fillRef idx="1">
+            <a:schemeClr val="accent1"/>
+          </a:fillRef>
+          <a:effectRef idx="0">
+            <a:schemeClr val="accent1"/>
+          </a:effectRef>
+          <a:fontRef idx="minor">
+            <a:schemeClr val="lt1"/>
+          </a:fontRef>
+        </p:style>
+        <p:txBody>
+          <a:bodyPr rtlCol="0" anchor="ctr"/>
+          <a:lstStyle/>
+          <a:p>
+            <a:pPr algn="ctr"/>
+            <a:endParaRPr lang="en-US"/>
+          </a:p>
+        </p:txBody>
+      </p:sp>
+      <p:sp>
+        <p:nvSpPr>
+          <p:cNvPr id="16" name="Rectangle 15">
+            <a:extLst>
+              <a:ext uri="{FF2B5EF4-FFF2-40B4-BE49-F238E27FC236}">
+                <a16:creationId xmlns:a16="http://schemas.microsoft.com/office/drawing/2014/main" id="{E4190DBD-4A62-4416-ACB7-ACEC1DE3024B}"/>
+              </a:ext>
+              <a:ext uri="{C183D7F6-B498-43B3-948B-1728B52AA6E4}">
+                <adec:decorative xmlns:adec="http://schemas.microsoft.com/office/drawing/2017/decorative" val="1"/>
+              </a:ext>
+            </a:extLst>
+          </p:cNvPr>
+          <p:cNvSpPr>
+            <a:spLocks noGrp="1" noRot="1" noChangeAspect="1" noMove="1" noResize="1" noEditPoints="1" noAdjustHandles="1" noChangeArrowheads="1" noChangeShapeType="1" noTextEdit="1"/>
+          </p:cNvSpPr>
+          <p:nvPr>
+            <p:extLst>
+              <p:ext uri="{386F3935-93C4-4BCD-93E2-E3B085C9AB24}">
+                <p16:designElem xmlns:p16="http://schemas.microsoft.com/office/powerpoint/2015/main" val="1"/>
+              </p:ext>
+            </p:extLst>
+          </p:nvPr>
+        </p:nvSpPr>
+        <p:spPr>
+          <a:xfrm>
+            <a:off x="0" y="761999"/>
+            <a:ext cx="6092889" cy="5334001"/>
+          </a:xfrm>
+          <a:prstGeom prst="rect">
+            <a:avLst/>
+          </a:prstGeom>
+          <a:solidFill>
+            <a:schemeClr val="accent1"/>
+          </a:solidFill>
+          <a:ln>
+            <a:noFill/>
+          </a:ln>
+        </p:spPr>
+        <p:style>
+          <a:lnRef idx="2">
+            <a:schemeClr val="accent1">
+              <a:shade val="50000"/>
+            </a:schemeClr>
+          </a:lnRef>
+          <a:fillRef idx="1">
+            <a:schemeClr val="accent1"/>
+          </a:fillRef>
+          <a:effectRef idx="0">
+            <a:schemeClr val="accent1"/>
+          </a:effectRef>
+          <a:fontRef idx="minor">
+            <a:schemeClr val="lt1"/>
+          </a:fontRef>
+        </p:style>
+      </p:sp>
+      <p:sp>
+        <p:nvSpPr>
+          <p:cNvPr id="2" name="Title 1">
+            <a:extLst>
+              <a:ext uri="{FF2B5EF4-FFF2-40B4-BE49-F238E27FC236}">
+                <a16:creationId xmlns:a16="http://schemas.microsoft.com/office/drawing/2014/main" id="{FDD60A7F-182C-4D06-BD3E-D7F4404724EC}"/>
+              </a:ext>
+            </a:extLst>
+          </p:cNvPr>
+          <p:cNvSpPr>
+            <a:spLocks noGrp="1"/>
+          </p:cNvSpPr>
+          <p:nvPr>
+            <p:ph type="title"/>
+          </p:nvPr>
+        </p:nvSpPr>
+        <p:spPr>
+          <a:xfrm>
+            <a:off x="0" y="606288"/>
+            <a:ext cx="6092889" cy="4125104"/>
+          </a:xfrm>
+        </p:spPr>
+        <p:txBody>
+          <a:bodyPr vert="horz" lIns="91440" tIns="45720" rIns="91440" bIns="45720" rtlCol="0" anchor="b">
+            <a:normAutofit/>
+          </a:bodyPr>
+          <a:lstStyle/>
+          <a:p>
+            <a:r>
+              <a:rPr lang="es-ES" sz="4000" spc="-100" dirty="0"/>
+              <a:t>Las probabilidades de daño sobre cada uno de los activos del sistema tras la implantación de cada una de</a:t>
+            </a:r>
+            <a:br>
+              <a:rPr lang="es-ES" sz="4000" spc="-100" dirty="0"/>
+            </a:br>
+            <a:r>
+              <a:rPr lang="es-ES" sz="4000" spc="-100" dirty="0"/>
+              <a:t>las salvaguardas.</a:t>
+            </a:r>
+            <a:endParaRPr lang="en-US" sz="4000" spc="-100" dirty="0"/>
+          </a:p>
+        </p:txBody>
+      </p:sp>
+      <p:sp>
+        <p:nvSpPr>
+          <p:cNvPr id="18" name="Rectangle 17">
+            <a:extLst>
+              <a:ext uri="{FF2B5EF4-FFF2-40B4-BE49-F238E27FC236}">
+                <a16:creationId xmlns:a16="http://schemas.microsoft.com/office/drawing/2014/main" id="{DBF12D6D-FE37-445A-BF16-6DA1A659A4D7}"/>
+              </a:ext>
+              <a:ext uri="{C183D7F6-B498-43B3-948B-1728B52AA6E4}">
+                <adec:decorative xmlns:adec="http://schemas.microsoft.com/office/drawing/2017/decorative" val="1"/>
+              </a:ext>
+            </a:extLst>
+          </p:cNvPr>
+          <p:cNvSpPr>
+            <a:spLocks noGrp="1" noRot="1" noChangeAspect="1" noMove="1" noResize="1" noEditPoints="1" noAdjustHandles="1" noChangeArrowheads="1" noChangeShapeType="1" noTextEdit="1"/>
+          </p:cNvSpPr>
+          <p:nvPr>
+            <p:extLst>
+              <p:ext uri="{386F3935-93C4-4BCD-93E2-E3B085C9AB24}">
+                <p16:designElem xmlns:p16="http://schemas.microsoft.com/office/powerpoint/2015/main" val="1"/>
+              </p:ext>
+            </p:extLst>
+          </p:nvPr>
+        </p:nvSpPr>
+        <p:spPr>
+          <a:xfrm>
+            <a:off x="11815864" y="758952"/>
+            <a:ext cx="384048" cy="5330952"/>
+          </a:xfrm>
+          <a:prstGeom prst="rect">
+            <a:avLst/>
+          </a:prstGeom>
+          <a:solidFill>
+            <a:srgbClr val="C8C8C8">
+              <a:alpha val="49804"/>
+            </a:srgbClr>
+          </a:solidFill>
+          <a:ln>
+            <a:noFill/>
+          </a:ln>
+        </p:spPr>
+        <p:style>
+          <a:lnRef idx="2">
+            <a:schemeClr val="accent1">
+              <a:shade val="50000"/>
+            </a:schemeClr>
+          </a:lnRef>
+          <a:fillRef idx="1">
+            <a:schemeClr val="accent1"/>
+          </a:fillRef>
+          <a:effectRef idx="0">
+            <a:schemeClr val="accent1"/>
+          </a:effectRef>
+          <a:fontRef idx="minor">
+            <a:schemeClr val="lt1"/>
+          </a:fontRef>
+        </p:style>
+      </p:sp>
+      <p:pic>
+        <p:nvPicPr>
+          <p:cNvPr id="3" name="Picture 2">
+            <a:extLst>
+              <a:ext uri="{FF2B5EF4-FFF2-40B4-BE49-F238E27FC236}">
+                <a16:creationId xmlns:a16="http://schemas.microsoft.com/office/drawing/2014/main" id="{374648BD-F523-4C84-934F-B8AF8FC67258}"/>
+              </a:ext>
+            </a:extLst>
+          </p:cNvPr>
+          <p:cNvPicPr>
+            <a:picLocks noChangeAspect="1"/>
+          </p:cNvPicPr>
+          <p:nvPr/>
+        </p:nvPicPr>
+        <p:blipFill>
+          <a:blip r:embed="rId2"/>
+          <a:stretch>
+            <a:fillRect/>
+          </a:stretch>
+        </p:blipFill>
+        <p:spPr>
+          <a:xfrm>
+            <a:off x="8140988" y="136862"/>
+            <a:ext cx="2002912" cy="6575132"/>
+          </a:xfrm>
+          <a:prstGeom prst="rect">
+            <a:avLst/>
+          </a:prstGeom>
+        </p:spPr>
+      </p:pic>
+    </p:spTree>
+    <p:extLst>
+      <p:ext uri="{BB962C8B-B14F-4D97-AF65-F5344CB8AC3E}">
+        <p14:creationId xmlns:p14="http://schemas.microsoft.com/office/powerpoint/2010/main" val="439825429"/>
+      </p:ext>
+    </p:extLst>
+  </p:cSld>
+  <p:clrMapOvr>
+    <a:masterClrMapping/>
+  </p:clrMapOvr>
+</p:sld>
+</file>
+
+<file path=ppt/slides/slide17.xml><?xml version="1.0" encoding="utf-8"?>
+<p:sld xmlns:a="http://schemas.openxmlformats.org/drawingml/2006/main" xmlns:r="http://schemas.openxmlformats.org/officeDocument/2006/relationships" xmlns:p="http://schemas.openxmlformats.org/presentationml/2006/main">
+  <p:cSld>
+    <p:bg>
+      <p:bgPr>
+        <a:solidFill>
+          <a:schemeClr val="bg1"/>
+        </a:solidFill>
+        <a:effectLst/>
+      </p:bgPr>
+    </p:bg>
+    <p:spTree>
+      <p:nvGrpSpPr>
+        <p:cNvPr id="1" name=""/>
+        <p:cNvGrpSpPr/>
+        <p:nvPr/>
+      </p:nvGrpSpPr>
+      <p:grpSpPr>
+        <a:xfrm>
+          <a:off x="0" y="0"/>
+          <a:ext cx="0" cy="0"/>
+          <a:chOff x="0" y="0"/>
+          <a:chExt cx="0" cy="0"/>
+        </a:xfrm>
+      </p:grpSpPr>
+      <p:sp>
+        <p:nvSpPr>
+          <p:cNvPr id="8" name="Rectangle 7">
+            <a:extLst>
+              <a:ext uri="{FF2B5EF4-FFF2-40B4-BE49-F238E27FC236}">
+                <a16:creationId xmlns:a16="http://schemas.microsoft.com/office/drawing/2014/main" id="{C162DF2A-64D1-4AA9-BA42-8A4063EADE09}"/>
+              </a:ext>
+              <a:ext uri="{C183D7F6-B498-43B3-948B-1728B52AA6E4}">
+                <adec:decorative xmlns:adec="http://schemas.microsoft.com/office/drawing/2017/decorative" val="1"/>
+              </a:ext>
+            </a:extLst>
+          </p:cNvPr>
+          <p:cNvSpPr>
+            <a:spLocks noGrp="1" noRot="1" noChangeAspect="1" noMove="1" noResize="1" noEditPoints="1" noAdjustHandles="1" noChangeArrowheads="1" noChangeShapeType="1" noTextEdit="1"/>
+          </p:cNvSpPr>
+          <p:nvPr>
+            <p:extLst>
+              <p:ext uri="{386F3935-93C4-4BCD-93E2-E3B085C9AB24}">
+                <p16:designElem xmlns:p16="http://schemas.microsoft.com/office/powerpoint/2015/main" val="1"/>
+              </p:ext>
+            </p:extLst>
+          </p:nvPr>
+        </p:nvSpPr>
+        <p:spPr>
+          <a:xfrm>
+            <a:off x="0" y="761999"/>
+            <a:ext cx="9141619" cy="5334001"/>
+          </a:xfrm>
+          <a:prstGeom prst="rect">
+            <a:avLst/>
+          </a:prstGeom>
+          <a:solidFill>
+            <a:schemeClr val="accent1"/>
+          </a:solidFill>
+          <a:ln>
+            <a:noFill/>
+          </a:ln>
+        </p:spPr>
+        <p:style>
+          <a:lnRef idx="2">
+            <a:schemeClr val="accent1">
+              <a:shade val="50000"/>
+            </a:schemeClr>
+          </a:lnRef>
+          <a:fillRef idx="1">
+            <a:schemeClr val="accent1"/>
+          </a:fillRef>
+          <a:effectRef idx="0">
+            <a:schemeClr val="accent1"/>
+          </a:effectRef>
+          <a:fontRef idx="minor">
+            <a:schemeClr val="lt1"/>
+          </a:fontRef>
+        </p:style>
+      </p:sp>
+      <p:sp>
+        <p:nvSpPr>
+          <p:cNvPr id="10" name="Rectangle 9">
+            <a:extLst>
+              <a:ext uri="{FF2B5EF4-FFF2-40B4-BE49-F238E27FC236}">
+                <a16:creationId xmlns:a16="http://schemas.microsoft.com/office/drawing/2014/main" id="{5D7C1373-63AF-4A75-909E-990E05356670}"/>
+              </a:ext>
+              <a:ext uri="{C183D7F6-B498-43B3-948B-1728B52AA6E4}">
+                <adec:decorative xmlns:adec="http://schemas.microsoft.com/office/drawing/2017/decorative" val="1"/>
+              </a:ext>
+            </a:extLst>
+          </p:cNvPr>
+          <p:cNvSpPr>
+            <a:spLocks noGrp="1" noRot="1" noChangeAspect="1" noMove="1" noResize="1" noEditPoints="1" noAdjustHandles="1" noChangeArrowheads="1" noChangeShapeType="1" noTextEdit="1"/>
+          </p:cNvSpPr>
+          <p:nvPr>
+            <p:extLst>
+              <p:ext uri="{386F3935-93C4-4BCD-93E2-E3B085C9AB24}">
+                <p16:designElem xmlns:p16="http://schemas.microsoft.com/office/powerpoint/2015/main" val="1"/>
+              </p:ext>
+            </p:extLst>
+          </p:nvPr>
+        </p:nvSpPr>
+        <p:spPr>
+          <a:xfrm>
+            <a:off x="9270263" y="761999"/>
+            <a:ext cx="2925318" cy="5334001"/>
+          </a:xfrm>
+          <a:prstGeom prst="rect">
+            <a:avLst/>
+          </a:prstGeom>
+          <a:solidFill>
+            <a:srgbClr val="C8C8C8">
+              <a:alpha val="49804"/>
+            </a:srgbClr>
+          </a:solidFill>
+          <a:ln>
+            <a:noFill/>
+          </a:ln>
+        </p:spPr>
+        <p:style>
+          <a:lnRef idx="2">
+            <a:schemeClr val="accent1">
+              <a:shade val="50000"/>
+            </a:schemeClr>
+          </a:lnRef>
+          <a:fillRef idx="1">
+            <a:schemeClr val="accent1"/>
+          </a:fillRef>
+          <a:effectRef idx="0">
+            <a:schemeClr val="accent1"/>
+          </a:effectRef>
+          <a:fontRef idx="minor">
+            <a:schemeClr val="lt1"/>
+          </a:fontRef>
+        </p:style>
+      </p:sp>
+      <p:sp useBgFill="1">
+        <p:nvSpPr>
+          <p:cNvPr id="12" name="Rectangle 11">
+            <a:extLst>
+              <a:ext uri="{FF2B5EF4-FFF2-40B4-BE49-F238E27FC236}">
+                <a16:creationId xmlns:a16="http://schemas.microsoft.com/office/drawing/2014/main" id="{18CADB29-8DC2-4A50-8BEC-5C30E8868F09}"/>
+              </a:ext>
+              <a:ext uri="{C183D7F6-B498-43B3-948B-1728B52AA6E4}">
+                <adec:decorative xmlns:adec="http://schemas.microsoft.com/office/drawing/2017/decorative" val="1"/>
+              </a:ext>
+            </a:extLst>
+          </p:cNvPr>
+          <p:cNvSpPr>
+            <a:spLocks noGrp="1" noRot="1" noChangeAspect="1" noMove="1" noResize="1" noEditPoints="1" noAdjustHandles="1" noChangeArrowheads="1" noChangeShapeType="1" noTextEdit="1"/>
+          </p:cNvSpPr>
+          <p:nvPr>
+            <p:extLst>
+              <p:ext uri="{386F3935-93C4-4BCD-93E2-E3B085C9AB24}">
+                <p16:designElem xmlns:p16="http://schemas.microsoft.com/office/powerpoint/2015/main" val="1"/>
+              </p:ext>
+            </p:extLst>
+          </p:nvPr>
+        </p:nvSpPr>
+        <p:spPr>
+          <a:xfrm>
+            <a:off x="0" y="0"/>
+            <a:ext cx="12192000" cy="6858000"/>
+          </a:xfrm>
+          <a:prstGeom prst="rect">
+            <a:avLst/>
+          </a:prstGeom>
+          <a:ln>
+            <a:noFill/>
+          </a:ln>
+        </p:spPr>
+        <p:style>
+          <a:lnRef idx="2">
+            <a:schemeClr val="accent1">
+              <a:shade val="50000"/>
+            </a:schemeClr>
+          </a:lnRef>
+          <a:fillRef idx="1">
+            <a:schemeClr val="accent1"/>
+          </a:fillRef>
+          <a:effectRef idx="0">
+            <a:schemeClr val="accent1"/>
+          </a:effectRef>
+          <a:fontRef idx="minor">
+            <a:schemeClr val="lt1"/>
+          </a:fontRef>
+        </p:style>
+        <p:txBody>
+          <a:bodyPr rtlCol="0" anchor="ctr"/>
+          <a:lstStyle/>
+          <a:p>
+            <a:pPr algn="ctr"/>
+            <a:endParaRPr lang="en-US" dirty="0"/>
+          </a:p>
+        </p:txBody>
+      </p:sp>
+      <p:sp>
+        <p:nvSpPr>
+          <p:cNvPr id="14" name="Rectangle 13">
+            <a:extLst>
+              <a:ext uri="{FF2B5EF4-FFF2-40B4-BE49-F238E27FC236}">
+                <a16:creationId xmlns:a16="http://schemas.microsoft.com/office/drawing/2014/main" id="{5DF1B43F-EA23-4B99-96C3-C17484DE3E66}"/>
+              </a:ext>
+              <a:ext uri="{C183D7F6-B498-43B3-948B-1728B52AA6E4}">
+                <adec:decorative xmlns:adec="http://schemas.microsoft.com/office/drawing/2017/decorative" val="1"/>
+              </a:ext>
+            </a:extLst>
+          </p:cNvPr>
+          <p:cNvSpPr>
+            <a:spLocks noGrp="1" noRot="1" noChangeAspect="1" noMove="1" noResize="1" noEditPoints="1" noAdjustHandles="1" noChangeArrowheads="1" noChangeShapeType="1" noTextEdit="1"/>
+          </p:cNvSpPr>
+          <p:nvPr>
+            <p:extLst>
+              <p:ext uri="{386F3935-93C4-4BCD-93E2-E3B085C9AB24}">
+                <p16:designElem xmlns:p16="http://schemas.microsoft.com/office/powerpoint/2015/main" val="1"/>
+              </p:ext>
+            </p:extLst>
+          </p:nvPr>
+        </p:nvSpPr>
+        <p:spPr>
+          <a:xfrm>
+            <a:off x="1" y="761999"/>
+            <a:ext cx="6739466" cy="5334001"/>
+          </a:xfrm>
+          <a:prstGeom prst="rect">
+            <a:avLst/>
+          </a:prstGeom>
+          <a:solidFill>
+            <a:schemeClr val="accent1"/>
+          </a:solidFill>
+          <a:ln>
+            <a:noFill/>
+          </a:ln>
+        </p:spPr>
+        <p:style>
+          <a:lnRef idx="2">
+            <a:schemeClr val="accent1">
+              <a:shade val="50000"/>
+            </a:schemeClr>
+          </a:lnRef>
+          <a:fillRef idx="1">
+            <a:schemeClr val="accent1"/>
+          </a:fillRef>
+          <a:effectRef idx="0">
+            <a:schemeClr val="accent1"/>
+          </a:effectRef>
+          <a:fontRef idx="minor">
+            <a:schemeClr val="lt1"/>
+          </a:fontRef>
+        </p:style>
+      </p:sp>
+      <p:sp>
+        <p:nvSpPr>
+          <p:cNvPr id="2" name="Title 1">
+            <a:extLst>
+              <a:ext uri="{FF2B5EF4-FFF2-40B4-BE49-F238E27FC236}">
+                <a16:creationId xmlns:a16="http://schemas.microsoft.com/office/drawing/2014/main" id="{233C3153-1312-4F05-B97D-092F6EA33E1B}"/>
+              </a:ext>
+            </a:extLst>
+          </p:cNvPr>
+          <p:cNvSpPr>
+            <a:spLocks noGrp="1"/>
+          </p:cNvSpPr>
+          <p:nvPr>
+            <p:ph type="title"/>
+          </p:nvPr>
+        </p:nvSpPr>
+        <p:spPr>
+          <a:xfrm>
+            <a:off x="1286929" y="1405466"/>
+            <a:ext cx="4805489" cy="4047068"/>
+          </a:xfrm>
+        </p:spPr>
+        <p:txBody>
+          <a:bodyPr vert="horz" lIns="91440" tIns="45720" rIns="91440" bIns="45720" rtlCol="0" anchor="ctr">
+            <a:normAutofit/>
+          </a:bodyPr>
+          <a:lstStyle/>
+          <a:p>
+            <a:pPr algn="r"/>
+            <a:r>
+              <a:rPr lang="en-US" sz="13800" spc="-100" dirty="0"/>
+              <a:t>FIN</a:t>
+            </a:r>
+          </a:p>
+        </p:txBody>
+      </p:sp>
+      <p:sp>
+        <p:nvSpPr>
+          <p:cNvPr id="16" name="Rectangle 15">
+            <a:extLst>
+              <a:ext uri="{FF2B5EF4-FFF2-40B4-BE49-F238E27FC236}">
+                <a16:creationId xmlns:a16="http://schemas.microsoft.com/office/drawing/2014/main" id="{D5FD08BB-EB5C-48F5-95FD-3F539DDD4A87}"/>
+              </a:ext>
+              <a:ext uri="{C183D7F6-B498-43B3-948B-1728B52AA6E4}">
+                <adec:decorative xmlns:adec="http://schemas.microsoft.com/office/drawing/2017/decorative" val="1"/>
+              </a:ext>
+            </a:extLst>
+          </p:cNvPr>
+          <p:cNvSpPr>
+            <a:spLocks noGrp="1" noRot="1" noChangeAspect="1" noMove="1" noResize="1" noEditPoints="1" noAdjustHandles="1" noChangeArrowheads="1" noChangeShapeType="1" noTextEdit="1"/>
+          </p:cNvSpPr>
+          <p:nvPr>
+            <p:extLst>
+              <p:ext uri="{386F3935-93C4-4BCD-93E2-E3B085C9AB24}">
+                <p16:designElem xmlns:p16="http://schemas.microsoft.com/office/powerpoint/2015/main" val="1"/>
+              </p:ext>
+            </p:extLst>
+          </p:nvPr>
+        </p:nvSpPr>
+        <p:spPr>
+          <a:xfrm>
+            <a:off x="10634135" y="761999"/>
+            <a:ext cx="1561446" cy="5334001"/>
+          </a:xfrm>
+          <a:prstGeom prst="rect">
+            <a:avLst/>
+          </a:prstGeom>
+          <a:solidFill>
+            <a:srgbClr val="C8C8C8">
+              <a:alpha val="49804"/>
+            </a:srgbClr>
+          </a:solidFill>
+          <a:ln>
+            <a:noFill/>
+          </a:ln>
+        </p:spPr>
+        <p:style>
+          <a:lnRef idx="2">
+            <a:schemeClr val="accent1">
+              <a:shade val="50000"/>
+            </a:schemeClr>
+          </a:lnRef>
+          <a:fillRef idx="1">
+            <a:schemeClr val="accent1"/>
+          </a:fillRef>
+          <a:effectRef idx="0">
+            <a:schemeClr val="accent1"/>
+          </a:effectRef>
+          <a:fontRef idx="minor">
+            <a:schemeClr val="lt1"/>
+          </a:fontRef>
+        </p:style>
+      </p:sp>
+    </p:spTree>
+    <p:extLst>
+      <p:ext uri="{BB962C8B-B14F-4D97-AF65-F5344CB8AC3E}">
+        <p14:creationId xmlns:p14="http://schemas.microsoft.com/office/powerpoint/2010/main" val="3488987528"/>
+      </p:ext>
+    </p:extLst>
+  </p:cSld>
+  <p:clrMapOvr>
+    <a:masterClrMapping/>
+  </p:clrMapOvr>
+</p:sld>
+</file>
+
 <file path=ppt/slides/slide2.xml><?xml version="1.0" encoding="utf-8"?>
 <p:sld xmlns:a="http://schemas.openxmlformats.org/drawingml/2006/main" xmlns:r="http://schemas.openxmlformats.org/officeDocument/2006/relationships" xmlns:p="http://schemas.openxmlformats.org/presentationml/2006/main">
   <p:cSld>

--- a/Practica 02/Modelado de riesgos con Hugin Expert.pptx
+++ b/Practica 02/Modelado de riesgos con Hugin Expert.pptx
@@ -353,7 +353,7 @@
             <a:fld id="{5586B75A-687E-405C-8A0B-8D00578BA2C3}" type="datetimeFigureOut">
               <a:rPr lang="en-US" smtClean="0"/>
               <a:pPr/>
-              <a:t>11/28/2018</a:t>
+              <a:t>12/1/2018</a:t>
             </a:fld>
             <a:endParaRPr lang="en-US" dirty="0"/>
           </a:p>
@@ -396,7 +396,7 @@
             <a:fld id="{4FAB73BC-B049-4115-A692-8D63A059BFB8}" type="slidenum">
               <a:rPr lang="en-US" smtClean="0"/>
               <a:pPr/>
-              <a:t>‹#›</a:t>
+              <a:t>‹Nº›</a:t>
             </a:fld>
             <a:endParaRPr lang="en-US" dirty="0"/>
           </a:p>
@@ -525,7 +525,7 @@
             <a:fld id="{5586B75A-687E-405C-8A0B-8D00578BA2C3}" type="datetimeFigureOut">
               <a:rPr lang="en-US" smtClean="0"/>
               <a:pPr/>
-              <a:t>11/28/2018</a:t>
+              <a:t>12/1/2018</a:t>
             </a:fld>
             <a:endParaRPr lang="en-US" dirty="0"/>
           </a:p>
@@ -568,7 +568,7 @@
             <a:fld id="{4FAB73BC-B049-4115-A692-8D63A059BFB8}" type="slidenum">
               <a:rPr lang="en-US" smtClean="0"/>
               <a:pPr/>
-              <a:t>‹#›</a:t>
+              <a:t>‹Nº›</a:t>
             </a:fld>
             <a:endParaRPr lang="en-US" dirty="0"/>
           </a:p>
@@ -707,7 +707,7 @@
             <a:fld id="{5586B75A-687E-405C-8A0B-8D00578BA2C3}" type="datetimeFigureOut">
               <a:rPr lang="en-US" smtClean="0"/>
               <a:pPr/>
-              <a:t>11/28/2018</a:t>
+              <a:t>12/1/2018</a:t>
             </a:fld>
             <a:endParaRPr lang="en-US" dirty="0"/>
           </a:p>
@@ -750,7 +750,7 @@
             <a:fld id="{4FAB73BC-B049-4115-A692-8D63A059BFB8}" type="slidenum">
               <a:rPr lang="en-US" smtClean="0"/>
               <a:pPr/>
-              <a:t>‹#›</a:t>
+              <a:t>‹Nº›</a:t>
             </a:fld>
             <a:endParaRPr lang="en-US" dirty="0"/>
           </a:p>
@@ -879,7 +879,7 @@
             <a:fld id="{5586B75A-687E-405C-8A0B-8D00578BA2C3}" type="datetimeFigureOut">
               <a:rPr lang="en-US" smtClean="0"/>
               <a:pPr/>
-              <a:t>11/28/2018</a:t>
+              <a:t>12/1/2018</a:t>
             </a:fld>
             <a:endParaRPr lang="en-US" dirty="0"/>
           </a:p>
@@ -922,7 +922,7 @@
             <a:fld id="{4FAB73BC-B049-4115-A692-8D63A059BFB8}" type="slidenum">
               <a:rPr lang="en-US" smtClean="0"/>
               <a:pPr/>
-              <a:t>‹#›</a:t>
+              <a:t>‹Nº›</a:t>
             </a:fld>
             <a:endParaRPr lang="en-US" dirty="0"/>
           </a:p>
@@ -1139,7 +1139,7 @@
             <a:fld id="{5586B75A-687E-405C-8A0B-8D00578BA2C3}" type="datetimeFigureOut">
               <a:rPr lang="en-US" smtClean="0"/>
               <a:pPr/>
-              <a:t>11/28/2018</a:t>
+              <a:t>12/1/2018</a:t>
             </a:fld>
             <a:endParaRPr lang="en-US" dirty="0"/>
           </a:p>
@@ -1182,7 +1182,7 @@
             <a:fld id="{4FAB73BC-B049-4115-A692-8D63A059BFB8}" type="slidenum">
               <a:rPr lang="en-US" smtClean="0"/>
               <a:pPr/>
-              <a:t>‹#›</a:t>
+              <a:t>‹Nº›</a:t>
             </a:fld>
             <a:endParaRPr lang="en-US" dirty="0"/>
           </a:p>
@@ -1429,7 +1429,7 @@
             <a:fld id="{5586B75A-687E-405C-8A0B-8D00578BA2C3}" type="datetimeFigureOut">
               <a:rPr lang="en-US" smtClean="0"/>
               <a:pPr/>
-              <a:t>11/28/2018</a:t>
+              <a:t>12/1/2018</a:t>
             </a:fld>
             <a:endParaRPr lang="en-US" dirty="0"/>
           </a:p>
@@ -1472,7 +1472,7 @@
             <a:fld id="{4FAB73BC-B049-4115-A692-8D63A059BFB8}" type="slidenum">
               <a:rPr lang="en-US" smtClean="0"/>
               <a:pPr/>
-              <a:t>‹#›</a:t>
+              <a:t>‹Nº›</a:t>
             </a:fld>
             <a:endParaRPr lang="en-US" dirty="0"/>
           </a:p>
@@ -1873,7 +1873,7 @@
             <a:fld id="{5586B75A-687E-405C-8A0B-8D00578BA2C3}" type="datetimeFigureOut">
               <a:rPr lang="en-US" smtClean="0"/>
               <a:pPr/>
-              <a:t>11/28/2018</a:t>
+              <a:t>12/1/2018</a:t>
             </a:fld>
             <a:endParaRPr lang="en-US" dirty="0"/>
           </a:p>
@@ -1916,7 +1916,7 @@
             <a:fld id="{4FAB73BC-B049-4115-A692-8D63A059BFB8}" type="slidenum">
               <a:rPr lang="en-US" smtClean="0"/>
               <a:pPr/>
-              <a:t>‹#›</a:t>
+              <a:t>‹Nº›</a:t>
             </a:fld>
             <a:endParaRPr lang="en-US" dirty="0"/>
           </a:p>
@@ -1993,7 +1993,7 @@
             <a:fld id="{5586B75A-687E-405C-8A0B-8D00578BA2C3}" type="datetimeFigureOut">
               <a:rPr lang="en-US" smtClean="0"/>
               <a:pPr/>
-              <a:t>11/28/2018</a:t>
+              <a:t>12/1/2018</a:t>
             </a:fld>
             <a:endParaRPr lang="en-US" dirty="0"/>
           </a:p>
@@ -2036,7 +2036,7 @@
             <a:fld id="{4FAB73BC-B049-4115-A692-8D63A059BFB8}" type="slidenum">
               <a:rPr lang="en-US" smtClean="0"/>
               <a:pPr/>
-              <a:t>‹#›</a:t>
+              <a:t>‹Nº›</a:t>
             </a:fld>
             <a:endParaRPr lang="en-US" dirty="0"/>
           </a:p>
@@ -2090,7 +2090,7 @@
             <a:fld id="{5586B75A-687E-405C-8A0B-8D00578BA2C3}" type="datetimeFigureOut">
               <a:rPr lang="en-US" smtClean="0"/>
               <a:pPr/>
-              <a:t>11/28/2018</a:t>
+              <a:t>12/1/2018</a:t>
             </a:fld>
             <a:endParaRPr lang="en-US" dirty="0"/>
           </a:p>
@@ -2133,7 +2133,7 @@
             <a:fld id="{4FAB73BC-B049-4115-A692-8D63A059BFB8}" type="slidenum">
               <a:rPr lang="en-US" smtClean="0"/>
               <a:pPr/>
-              <a:t>‹#›</a:t>
+              <a:t>‹Nº›</a:t>
             </a:fld>
             <a:endParaRPr lang="en-US" dirty="0"/>
           </a:p>
@@ -2380,7 +2380,7 @@
             <a:fld id="{5586B75A-687E-405C-8A0B-8D00578BA2C3}" type="datetimeFigureOut">
               <a:rPr lang="en-US" smtClean="0"/>
               <a:pPr/>
-              <a:t>11/28/2018</a:t>
+              <a:t>12/1/2018</a:t>
             </a:fld>
             <a:endParaRPr lang="en-US" dirty="0"/>
           </a:p>
@@ -2423,7 +2423,7 @@
             <a:fld id="{4FAB73BC-B049-4115-A692-8D63A059BFB8}" type="slidenum">
               <a:rPr lang="en-US" smtClean="0"/>
               <a:pPr/>
-              <a:t>‹#›</a:t>
+              <a:t>‹Nº›</a:t>
             </a:fld>
             <a:endParaRPr lang="en-US" dirty="0"/>
           </a:p>
@@ -2655,7 +2655,7 @@
             <a:fld id="{5586B75A-687E-405C-8A0B-8D00578BA2C3}" type="datetimeFigureOut">
               <a:rPr lang="en-US" smtClean="0"/>
               <a:pPr/>
-              <a:t>11/28/2018</a:t>
+              <a:t>12/1/2018</a:t>
             </a:fld>
             <a:endParaRPr lang="en-US" dirty="0"/>
           </a:p>
@@ -2703,7 +2703,7 @@
             <a:fld id="{4FAB73BC-B049-4115-A692-8D63A059BFB8}" type="slidenum">
               <a:rPr lang="en-US" smtClean="0"/>
               <a:pPr/>
-              <a:t>‹#›</a:t>
+              <a:t>‹Nº›</a:t>
             </a:fld>
             <a:endParaRPr lang="en-US" dirty="0"/>
           </a:p>
@@ -2954,7 +2954,7 @@
             <a:fld id="{5586B75A-687E-405C-8A0B-8D00578BA2C3}" type="datetimeFigureOut">
               <a:rPr lang="en-US" smtClean="0"/>
               <a:pPr/>
-              <a:t>11/28/2018</a:t>
+              <a:t>12/1/2018</a:t>
             </a:fld>
             <a:endParaRPr lang="en-US" dirty="0"/>
           </a:p>
@@ -3032,7 +3032,7 @@
             <a:fld id="{4FAB73BC-B049-4115-A692-8D63A059BFB8}" type="slidenum">
               <a:rPr lang="en-US" smtClean="0"/>
               <a:pPr/>
-              <a:t>‹#›</a:t>
+              <a:t>‹Nº›</a:t>
             </a:fld>
             <a:endParaRPr lang="en-US" dirty="0"/>
           </a:p>
@@ -3900,7 +3900,7 @@
         <p:spPr>
           <a:xfrm>
             <a:off x="261348" y="2118554"/>
-            <a:ext cx="5422097" cy="3615655"/>
+            <a:ext cx="3169749" cy="3615655"/>
           </a:xfrm>
         </p:spPr>
         <p:txBody>
@@ -3981,38 +3981,6 @@
           </a:p>
         </p:txBody>
       </p:sp>
-      <p:pic>
-        <p:nvPicPr>
-          <p:cNvPr id="4" name="Content Placeholder 3">
-            <a:extLst>
-              <a:ext uri="{FF2B5EF4-FFF2-40B4-BE49-F238E27FC236}">
-                <a16:creationId xmlns:a16="http://schemas.microsoft.com/office/drawing/2014/main" id="{097AB118-122C-4ACA-88BA-4F1C4D4303D1}"/>
-              </a:ext>
-            </a:extLst>
-          </p:cNvPr>
-          <p:cNvPicPr>
-            <a:picLocks noGrp="1" noChangeAspect="1"/>
-          </p:cNvPicPr>
-          <p:nvPr>
-            <p:ph idx="1"/>
-          </p:nvPr>
-        </p:nvPicPr>
-        <p:blipFill>
-          <a:blip r:embed="rId2"/>
-          <a:stretch>
-            <a:fillRect/>
-          </a:stretch>
-        </p:blipFill>
-        <p:spPr>
-          <a:xfrm>
-            <a:off x="5145578" y="858555"/>
-            <a:ext cx="6367271" cy="5140890"/>
-          </a:xfrm>
-          <a:prstGeom prst="rect">
-            <a:avLst/>
-          </a:prstGeom>
-        </p:spPr>
-      </p:pic>
       <p:sp>
         <p:nvSpPr>
           <p:cNvPr id="17" name="Rectangle 16">
@@ -4084,8 +4052,8 @@
         </p:nvSpPr>
         <p:spPr>
           <a:xfrm>
-            <a:off x="290806" y="894989"/>
-            <a:ext cx="3665989" cy="861774"/>
+            <a:off x="290807" y="894989"/>
+            <a:ext cx="3333238" cy="861774"/>
           </a:xfrm>
           <a:prstGeom prst="rect">
             <a:avLst/>
@@ -4109,6 +4077,118 @@
           </a:p>
         </p:txBody>
       </p:sp>
+      <p:pic>
+        <p:nvPicPr>
+          <p:cNvPr id="7" name="Imagen 6">
+            <a:extLst>
+              <a:ext uri="{FF2B5EF4-FFF2-40B4-BE49-F238E27FC236}">
+                <a16:creationId xmlns:a16="http://schemas.microsoft.com/office/drawing/2014/main" id="{3F362D34-51B6-42AF-9465-4B8C07D16C8F}"/>
+              </a:ext>
+            </a:extLst>
+          </p:cNvPr>
+          <p:cNvPicPr>
+            <a:picLocks noChangeAspect="1"/>
+          </p:cNvPicPr>
+          <p:nvPr/>
+        </p:nvPicPr>
+        <p:blipFill>
+          <a:blip r:embed="rId2"/>
+          <a:stretch>
+            <a:fillRect/>
+          </a:stretch>
+        </p:blipFill>
+        <p:spPr>
+          <a:xfrm>
+            <a:off x="3542765" y="1170428"/>
+            <a:ext cx="8657147" cy="4299194"/>
+          </a:xfrm>
+          <a:prstGeom prst="rect">
+            <a:avLst/>
+          </a:prstGeom>
+        </p:spPr>
+      </p:pic>
+      <p:sp>
+        <p:nvSpPr>
+          <p:cNvPr id="8" name="Rectángulo 7">
+            <a:extLst>
+              <a:ext uri="{FF2B5EF4-FFF2-40B4-BE49-F238E27FC236}">
+                <a16:creationId xmlns:a16="http://schemas.microsoft.com/office/drawing/2014/main" id="{20C09C93-8555-42BE-8E6C-9E0C1514DE44}"/>
+              </a:ext>
+            </a:extLst>
+          </p:cNvPr>
+          <p:cNvSpPr/>
+          <p:nvPr/>
+        </p:nvSpPr>
+        <p:spPr>
+          <a:xfrm>
+            <a:off x="3542765" y="533198"/>
+            <a:ext cx="1099464" cy="792678"/>
+          </a:xfrm>
+          <a:prstGeom prst="rect">
+            <a:avLst/>
+          </a:prstGeom>
+          <a:solidFill>
+            <a:schemeClr val="bg1"/>
+          </a:solidFill>
+          <a:ln>
+            <a:noFill/>
+          </a:ln>
+        </p:spPr>
+        <p:style>
+          <a:lnRef idx="2">
+            <a:schemeClr val="accent1">
+              <a:shade val="50000"/>
+            </a:schemeClr>
+          </a:lnRef>
+          <a:fillRef idx="1">
+            <a:schemeClr val="accent1"/>
+          </a:fillRef>
+          <a:effectRef idx="0">
+            <a:schemeClr val="accent1"/>
+          </a:effectRef>
+          <a:fontRef idx="minor">
+            <a:schemeClr val="lt1"/>
+          </a:fontRef>
+        </p:style>
+        <p:txBody>
+          <a:bodyPr rtlCol="0" anchor="ctr"/>
+          <a:lstStyle/>
+          <a:p>
+            <a:pPr algn="ctr"/>
+            <a:endParaRPr lang="es-ES"/>
+          </a:p>
+        </p:txBody>
+      </p:sp>
+      <p:pic>
+        <p:nvPicPr>
+          <p:cNvPr id="10" name="Imagen 9">
+            <a:extLst>
+              <a:ext uri="{FF2B5EF4-FFF2-40B4-BE49-F238E27FC236}">
+                <a16:creationId xmlns:a16="http://schemas.microsoft.com/office/drawing/2014/main" id="{EE244EFF-3A49-45D8-BE33-D75274E44767}"/>
+              </a:ext>
+            </a:extLst>
+          </p:cNvPr>
+          <p:cNvPicPr>
+            <a:picLocks noChangeAspect="1"/>
+          </p:cNvPicPr>
+          <p:nvPr/>
+        </p:nvPicPr>
+        <p:blipFill>
+          <a:blip r:embed="rId3"/>
+          <a:stretch>
+            <a:fillRect/>
+          </a:stretch>
+        </p:blipFill>
+        <p:spPr>
+          <a:xfrm>
+            <a:off x="3538757" y="5348786"/>
+            <a:ext cx="1103472" cy="792549"/>
+          </a:xfrm>
+          <a:prstGeom prst="rect">
+            <a:avLst/>
+          </a:prstGeom>
+        </p:spPr>
+      </p:pic>
     </p:spTree>
     <p:extLst>
       <p:ext uri="{BB962C8B-B14F-4D97-AF65-F5344CB8AC3E}">
@@ -5374,8 +5454,8 @@
         </p:nvSpPr>
         <p:spPr>
           <a:xfrm>
-            <a:off x="252919" y="1123837"/>
-            <a:ext cx="2947482" cy="1283461"/>
+            <a:off x="0" y="758952"/>
+            <a:ext cx="2947482" cy="587734"/>
           </a:xfrm>
         </p:spPr>
         <p:txBody>
@@ -5390,42 +5470,6 @@
               <a:t>Red bayesiana</a:t>
             </a:r>
             <a:endParaRPr lang="en-US" sz="3200" b="1" dirty="0"/>
-          </a:p>
-        </p:txBody>
-      </p:sp>
-      <p:sp>
-        <p:nvSpPr>
-          <p:cNvPr id="9" name="Content Placeholder 8">
-            <a:extLst>
-              <a:ext uri="{FF2B5EF4-FFF2-40B4-BE49-F238E27FC236}">
-                <a16:creationId xmlns:a16="http://schemas.microsoft.com/office/drawing/2014/main" id="{006E0FE1-22D0-47E2-93DC-0FC63D04A298}"/>
-              </a:ext>
-            </a:extLst>
-          </p:cNvPr>
-          <p:cNvSpPr>
-            <a:spLocks noGrp="1"/>
-          </p:cNvSpPr>
-          <p:nvPr>
-            <p:ph idx="1"/>
-          </p:nvPr>
-        </p:nvSpPr>
-        <p:spPr>
-          <a:xfrm>
-            <a:off x="252920" y="2407298"/>
-            <a:ext cx="2947482" cy="3498980"/>
-          </a:xfrm>
-        </p:spPr>
-        <p:txBody>
-          <a:bodyPr anchor="t">
-            <a:normAutofit/>
-          </a:bodyPr>
-          <a:lstStyle/>
-          <a:p>
-            <a:endParaRPr lang="en-US" sz="1600">
-              <a:solidFill>
-                <a:schemeClr val="bg1"/>
-              </a:solidFill>
-            </a:endParaRPr>
           </a:p>
         </p:txBody>
       </p:sp>
@@ -5450,8 +5494,8 @@
         </p:blipFill>
         <p:spPr>
           <a:xfrm>
-            <a:off x="3778897" y="758952"/>
-            <a:ext cx="7772401" cy="5330952"/>
+            <a:off x="2947483" y="188699"/>
+            <a:ext cx="8603816" cy="5901205"/>
           </a:xfrm>
           <a:prstGeom prst="rect">
             <a:avLst/>

--- a/Practica 02/Modelado de riesgos con Hugin Expert.pptx
+++ b/Practica 02/Modelado de riesgos con Hugin Expert.pptx
@@ -353,7 +353,7 @@
             <a:fld id="{5586B75A-687E-405C-8A0B-8D00578BA2C3}" type="datetimeFigureOut">
               <a:rPr lang="en-US" smtClean="0"/>
               <a:pPr/>
-              <a:t>12/1/2018</a:t>
+              <a:t>12/2/2018</a:t>
             </a:fld>
             <a:endParaRPr lang="en-US" dirty="0"/>
           </a:p>
@@ -525,7 +525,7 @@
             <a:fld id="{5586B75A-687E-405C-8A0B-8D00578BA2C3}" type="datetimeFigureOut">
               <a:rPr lang="en-US" smtClean="0"/>
               <a:pPr/>
-              <a:t>12/1/2018</a:t>
+              <a:t>12/2/2018</a:t>
             </a:fld>
             <a:endParaRPr lang="en-US" dirty="0"/>
           </a:p>
@@ -707,7 +707,7 @@
             <a:fld id="{5586B75A-687E-405C-8A0B-8D00578BA2C3}" type="datetimeFigureOut">
               <a:rPr lang="en-US" smtClean="0"/>
               <a:pPr/>
-              <a:t>12/1/2018</a:t>
+              <a:t>12/2/2018</a:t>
             </a:fld>
             <a:endParaRPr lang="en-US" dirty="0"/>
           </a:p>
@@ -879,7 +879,7 @@
             <a:fld id="{5586B75A-687E-405C-8A0B-8D00578BA2C3}" type="datetimeFigureOut">
               <a:rPr lang="en-US" smtClean="0"/>
               <a:pPr/>
-              <a:t>12/1/2018</a:t>
+              <a:t>12/2/2018</a:t>
             </a:fld>
             <a:endParaRPr lang="en-US" dirty="0"/>
           </a:p>
@@ -1139,7 +1139,7 @@
             <a:fld id="{5586B75A-687E-405C-8A0B-8D00578BA2C3}" type="datetimeFigureOut">
               <a:rPr lang="en-US" smtClean="0"/>
               <a:pPr/>
-              <a:t>12/1/2018</a:t>
+              <a:t>12/2/2018</a:t>
             </a:fld>
             <a:endParaRPr lang="en-US" dirty="0"/>
           </a:p>
@@ -1429,7 +1429,7 @@
             <a:fld id="{5586B75A-687E-405C-8A0B-8D00578BA2C3}" type="datetimeFigureOut">
               <a:rPr lang="en-US" smtClean="0"/>
               <a:pPr/>
-              <a:t>12/1/2018</a:t>
+              <a:t>12/2/2018</a:t>
             </a:fld>
             <a:endParaRPr lang="en-US" dirty="0"/>
           </a:p>
@@ -1873,7 +1873,7 @@
             <a:fld id="{5586B75A-687E-405C-8A0B-8D00578BA2C3}" type="datetimeFigureOut">
               <a:rPr lang="en-US" smtClean="0"/>
               <a:pPr/>
-              <a:t>12/1/2018</a:t>
+              <a:t>12/2/2018</a:t>
             </a:fld>
             <a:endParaRPr lang="en-US" dirty="0"/>
           </a:p>
@@ -1993,7 +1993,7 @@
             <a:fld id="{5586B75A-687E-405C-8A0B-8D00578BA2C3}" type="datetimeFigureOut">
               <a:rPr lang="en-US" smtClean="0"/>
               <a:pPr/>
-              <a:t>12/1/2018</a:t>
+              <a:t>12/2/2018</a:t>
             </a:fld>
             <a:endParaRPr lang="en-US" dirty="0"/>
           </a:p>
@@ -2090,7 +2090,7 @@
             <a:fld id="{5586B75A-687E-405C-8A0B-8D00578BA2C3}" type="datetimeFigureOut">
               <a:rPr lang="en-US" smtClean="0"/>
               <a:pPr/>
-              <a:t>12/1/2018</a:t>
+              <a:t>12/2/2018</a:t>
             </a:fld>
             <a:endParaRPr lang="en-US" dirty="0"/>
           </a:p>
@@ -2380,7 +2380,7 @@
             <a:fld id="{5586B75A-687E-405C-8A0B-8D00578BA2C3}" type="datetimeFigureOut">
               <a:rPr lang="en-US" smtClean="0"/>
               <a:pPr/>
-              <a:t>12/1/2018</a:t>
+              <a:t>12/2/2018</a:t>
             </a:fld>
             <a:endParaRPr lang="en-US" dirty="0"/>
           </a:p>
@@ -2655,7 +2655,7 @@
             <a:fld id="{5586B75A-687E-405C-8A0B-8D00578BA2C3}" type="datetimeFigureOut">
               <a:rPr lang="en-US" smtClean="0"/>
               <a:pPr/>
-              <a:t>12/1/2018</a:t>
+              <a:t>12/2/2018</a:t>
             </a:fld>
             <a:endParaRPr lang="en-US" dirty="0"/>
           </a:p>
@@ -2954,7 +2954,7 @@
             <a:fld id="{5586B75A-687E-405C-8A0B-8D00578BA2C3}" type="datetimeFigureOut">
               <a:rPr lang="en-US" smtClean="0"/>
               <a:pPr/>
-              <a:t>12/1/2018</a:t>
+              <a:t>12/2/2018</a:t>
             </a:fld>
             <a:endParaRPr lang="en-US" dirty="0"/>
           </a:p>
@@ -4077,12 +4077,64 @@
           </a:p>
         </p:txBody>
       </p:sp>
+      <p:sp>
+        <p:nvSpPr>
+          <p:cNvPr id="8" name="Rectángulo 7">
+            <a:extLst>
+              <a:ext uri="{FF2B5EF4-FFF2-40B4-BE49-F238E27FC236}">
+                <a16:creationId xmlns:a16="http://schemas.microsoft.com/office/drawing/2014/main" id="{20C09C93-8555-42BE-8E6C-9E0C1514DE44}"/>
+              </a:ext>
+            </a:extLst>
+          </p:cNvPr>
+          <p:cNvSpPr/>
+          <p:nvPr/>
+        </p:nvSpPr>
+        <p:spPr>
+          <a:xfrm>
+            <a:off x="3542765" y="533198"/>
+            <a:ext cx="1099464" cy="792678"/>
+          </a:xfrm>
+          <a:prstGeom prst="rect">
+            <a:avLst/>
+          </a:prstGeom>
+          <a:solidFill>
+            <a:schemeClr val="bg1"/>
+          </a:solidFill>
+          <a:ln>
+            <a:noFill/>
+          </a:ln>
+        </p:spPr>
+        <p:style>
+          <a:lnRef idx="2">
+            <a:schemeClr val="accent1">
+              <a:shade val="50000"/>
+            </a:schemeClr>
+          </a:lnRef>
+          <a:fillRef idx="1">
+            <a:schemeClr val="accent1"/>
+          </a:fillRef>
+          <a:effectRef idx="0">
+            <a:schemeClr val="accent1"/>
+          </a:effectRef>
+          <a:fontRef idx="minor">
+            <a:schemeClr val="lt1"/>
+          </a:fontRef>
+        </p:style>
+        <p:txBody>
+          <a:bodyPr rtlCol="0" anchor="ctr"/>
+          <a:lstStyle/>
+          <a:p>
+            <a:pPr algn="ctr"/>
+            <a:endParaRPr lang="es-ES"/>
+          </a:p>
+        </p:txBody>
+      </p:sp>
       <p:pic>
         <p:nvPicPr>
-          <p:cNvPr id="7" name="Imagen 6">
+          <p:cNvPr id="10" name="Imagen 9">
             <a:extLst>
               <a:ext uri="{FF2B5EF4-FFF2-40B4-BE49-F238E27FC236}">
-                <a16:creationId xmlns:a16="http://schemas.microsoft.com/office/drawing/2014/main" id="{3F362D34-51B6-42AF-9465-4B8C07D16C8F}"/>
+                <a16:creationId xmlns:a16="http://schemas.microsoft.com/office/drawing/2014/main" id="{EE244EFF-3A49-45D8-BE33-D75274E44767}"/>
               </a:ext>
             </a:extLst>
           </p:cNvPr>
@@ -4099,72 +4151,20 @@
         </p:blipFill>
         <p:spPr>
           <a:xfrm>
-            <a:off x="3542765" y="1170428"/>
-            <a:ext cx="8657147" cy="4299194"/>
+            <a:off x="3538757" y="5348786"/>
+            <a:ext cx="1103472" cy="792549"/>
           </a:xfrm>
           <a:prstGeom prst="rect">
             <a:avLst/>
           </a:prstGeom>
         </p:spPr>
       </p:pic>
-      <p:sp>
-        <p:nvSpPr>
-          <p:cNvPr id="8" name="Rectángulo 7">
+      <p:pic>
+        <p:nvPicPr>
+          <p:cNvPr id="4" name="Imagen 3">
             <a:extLst>
               <a:ext uri="{FF2B5EF4-FFF2-40B4-BE49-F238E27FC236}">
-                <a16:creationId xmlns:a16="http://schemas.microsoft.com/office/drawing/2014/main" id="{20C09C93-8555-42BE-8E6C-9E0C1514DE44}"/>
-              </a:ext>
-            </a:extLst>
-          </p:cNvPr>
-          <p:cNvSpPr/>
-          <p:nvPr/>
-        </p:nvSpPr>
-        <p:spPr>
-          <a:xfrm>
-            <a:off x="3542765" y="533198"/>
-            <a:ext cx="1099464" cy="792678"/>
-          </a:xfrm>
-          <a:prstGeom prst="rect">
-            <a:avLst/>
-          </a:prstGeom>
-          <a:solidFill>
-            <a:schemeClr val="bg1"/>
-          </a:solidFill>
-          <a:ln>
-            <a:noFill/>
-          </a:ln>
-        </p:spPr>
-        <p:style>
-          <a:lnRef idx="2">
-            <a:schemeClr val="accent1">
-              <a:shade val="50000"/>
-            </a:schemeClr>
-          </a:lnRef>
-          <a:fillRef idx="1">
-            <a:schemeClr val="accent1"/>
-          </a:fillRef>
-          <a:effectRef idx="0">
-            <a:schemeClr val="accent1"/>
-          </a:effectRef>
-          <a:fontRef idx="minor">
-            <a:schemeClr val="lt1"/>
-          </a:fontRef>
-        </p:style>
-        <p:txBody>
-          <a:bodyPr rtlCol="0" anchor="ctr"/>
-          <a:lstStyle/>
-          <a:p>
-            <a:pPr algn="ctr"/>
-            <a:endParaRPr lang="es-ES"/>
-          </a:p>
-        </p:txBody>
-      </p:sp>
-      <p:pic>
-        <p:nvPicPr>
-          <p:cNvPr id="10" name="Imagen 9">
-            <a:extLst>
-              <a:ext uri="{FF2B5EF4-FFF2-40B4-BE49-F238E27FC236}">
-                <a16:creationId xmlns:a16="http://schemas.microsoft.com/office/drawing/2014/main" id="{EE244EFF-3A49-45D8-BE33-D75274E44767}"/>
+                <a16:creationId xmlns:a16="http://schemas.microsoft.com/office/drawing/2014/main" id="{0DDA98C9-1BF4-48DC-8613-90AAD3E0D0B0}"/>
               </a:ext>
             </a:extLst>
           </p:cNvPr>
@@ -4181,8 +4181,8 @@
         </p:blipFill>
         <p:spPr>
           <a:xfrm>
-            <a:off x="3538757" y="5348786"/>
-            <a:ext cx="1103472" cy="792549"/>
+            <a:off x="3538757" y="39312"/>
+            <a:ext cx="8473356" cy="6605822"/>
           </a:xfrm>
           <a:prstGeom prst="rect">
             <a:avLst/>

--- a/Practica 02/Modelado de riesgos con Hugin Expert.pptx
+++ b/Practica 02/Modelado de riesgos con Hugin Expert.pptx
@@ -4250,19 +4250,17 @@
       </p:sp>
       <p:pic>
         <p:nvPicPr>
-          <p:cNvPr id="6" name="Content Placeholder 5">
+          <p:cNvPr id="4" name="Picture 3">
             <a:extLst>
               <a:ext uri="{FF2B5EF4-FFF2-40B4-BE49-F238E27FC236}">
-                <a16:creationId xmlns:a16="http://schemas.microsoft.com/office/drawing/2014/main" id="{E4CFD474-4411-4352-B72E-1D1ABC0D9126}"/>
+                <a16:creationId xmlns:a16="http://schemas.microsoft.com/office/drawing/2014/main" id="{CAA3F2FE-8068-478F-B2C2-19F0E44AFEED}"/>
               </a:ext>
             </a:extLst>
           </p:cNvPr>
           <p:cNvPicPr>
-            <a:picLocks noGrp="1" noChangeAspect="1"/>
+            <a:picLocks noChangeAspect="1"/>
           </p:cNvPicPr>
-          <p:nvPr>
-            <p:ph idx="1"/>
-          </p:nvPr>
+          <p:nvPr/>
         </p:nvPicPr>
         <p:blipFill>
           <a:blip r:embed="rId2"/>
@@ -4272,8 +4270,8 @@
         </p:blipFill>
         <p:spPr>
           <a:xfrm>
-            <a:off x="4732266" y="4153013"/>
-            <a:ext cx="5581650" cy="1581150"/>
+            <a:off x="5226947" y="1123837"/>
+            <a:ext cx="4600575" cy="1285875"/>
           </a:xfrm>
           <a:prstGeom prst="rect">
             <a:avLst/>
@@ -4282,10 +4280,10 @@
       </p:pic>
       <p:pic>
         <p:nvPicPr>
-          <p:cNvPr id="4" name="Picture 3">
+          <p:cNvPr id="3" name="Imagen 2">
             <a:extLst>
               <a:ext uri="{FF2B5EF4-FFF2-40B4-BE49-F238E27FC236}">
-                <a16:creationId xmlns:a16="http://schemas.microsoft.com/office/drawing/2014/main" id="{CAA3F2FE-8068-478F-B2C2-19F0E44AFEED}"/>
+                <a16:creationId xmlns:a16="http://schemas.microsoft.com/office/drawing/2014/main" id="{71D59709-14AD-4BC3-A790-54257767F3F4}"/>
               </a:ext>
             </a:extLst>
           </p:cNvPr>
@@ -4302,8 +4300,8 @@
         </p:blipFill>
         <p:spPr>
           <a:xfrm>
-            <a:off x="5226947" y="1123837"/>
-            <a:ext cx="4600575" cy="1285875"/>
+            <a:off x="4893780" y="2655467"/>
+            <a:ext cx="5286120" cy="1393241"/>
           </a:xfrm>
           <a:prstGeom prst="rect">
             <a:avLst/>
@@ -4312,17 +4310,19 @@
       </p:pic>
       <p:pic>
         <p:nvPicPr>
-          <p:cNvPr id="5" name="Picture 4">
+          <p:cNvPr id="9" name="Marcador de contenido 8">
             <a:extLst>
               <a:ext uri="{FF2B5EF4-FFF2-40B4-BE49-F238E27FC236}">
-                <a16:creationId xmlns:a16="http://schemas.microsoft.com/office/drawing/2014/main" id="{BEDBBEC0-C891-486B-9507-36292554CFF1}"/>
+                <a16:creationId xmlns:a16="http://schemas.microsoft.com/office/drawing/2014/main" id="{477E0707-34CD-4CCE-AD2A-D38020AF8EEE}"/>
               </a:ext>
             </a:extLst>
           </p:cNvPr>
           <p:cNvPicPr>
-            <a:picLocks noChangeAspect="1"/>
+            <a:picLocks noGrp="1" noChangeAspect="1"/>
           </p:cNvPicPr>
-          <p:nvPr/>
+          <p:nvPr>
+            <p:ph idx="1"/>
+          </p:nvPr>
         </p:nvPicPr>
         <p:blipFill>
           <a:blip r:embed="rId4"/>
@@ -4332,8 +4332,8 @@
         </p:blipFill>
         <p:spPr>
           <a:xfrm>
-            <a:off x="4898954" y="2552891"/>
-            <a:ext cx="5248275" cy="1447800"/>
+            <a:off x="4676648" y="4475849"/>
+            <a:ext cx="5747786" cy="1518551"/>
           </a:xfrm>
           <a:prstGeom prst="rect">
             <a:avLst/>
